--- a/cheatSheet.pptx
+++ b/cheatSheet.pptx
@@ -2162,7 +2162,7 @@
           </a:ln>
           <a:extLst>
             <a:ext uri="{C572A759-6A51-4108-AA02-DFA0A04FC94B}">
-              <ma14:wrappingTextBoxFlag xmlns="" xmlns:m="http://schemas.openxmlformats.org/officeDocument/2006/math" xmlns:a14="http://schemas.microsoft.com/office/drawing/2010/main" xmlns:ma14="http://schemas.microsoft.com/office/mac/drawingml/2011/main" val="1"/>
+              <ma14:wrappingTextBoxFlag xmlns:ma14="http://schemas.microsoft.com/office/mac/drawingml/2011/main" xmlns:a14="http://schemas.microsoft.com/office/drawing/2010/main" xmlns:m="http://schemas.openxmlformats.org/officeDocument/2006/math" xmlns="" val="1"/>
             </a:ext>
           </a:extLst>
         </p:spPr>
@@ -2201,7 +2201,7 @@
           </a:ln>
           <a:extLst>
             <a:ext uri="{C572A759-6A51-4108-AA02-DFA0A04FC94B}">
-              <ma14:wrappingTextBoxFlag xmlns="" xmlns:m="http://schemas.openxmlformats.org/officeDocument/2006/math" xmlns:a14="http://schemas.microsoft.com/office/drawing/2010/main" xmlns:ma14="http://schemas.microsoft.com/office/mac/drawingml/2011/main" val="1"/>
+              <ma14:wrappingTextBoxFlag xmlns:ma14="http://schemas.microsoft.com/office/mac/drawingml/2011/main" xmlns:a14="http://schemas.microsoft.com/office/drawing/2010/main" xmlns:m="http://schemas.openxmlformats.org/officeDocument/2006/math" xmlns="" val="1"/>
             </a:ext>
           </a:extLst>
         </p:spPr>
@@ -3250,7 +3250,7 @@
         </p:nvSpPr>
         <p:spPr>
           <a:xfrm>
-            <a:off x="310208" y="1592861"/>
+            <a:off x="308334" y="1745691"/>
             <a:ext cx="3094072" cy="2379068"/>
           </a:xfrm>
           <a:prstGeom prst="rect">
@@ -3261,7 +3261,7 @@
           </a:ln>
           <a:extLst>
             <a:ext uri="{C572A759-6A51-4108-AA02-DFA0A04FC94B}">
-              <ma14:wrappingTextBoxFlag xmlns="" xmlns:m="http://schemas.openxmlformats.org/officeDocument/2006/math" xmlns:a14="http://schemas.microsoft.com/office/drawing/2010/main" xmlns:ma14="http://schemas.microsoft.com/office/mac/drawingml/2011/main" val="1"/>
+              <ma14:wrappingTextBoxFlag xmlns:ma14="http://schemas.microsoft.com/office/mac/drawingml/2011/main" xmlns:a14="http://schemas.microsoft.com/office/drawing/2010/main" xmlns:m="http://schemas.openxmlformats.org/officeDocument/2006/math" xmlns="" val="1"/>
             </a:ext>
           </a:extLst>
         </p:spPr>
@@ -3875,7 +3875,7 @@
           </a:ln>
           <a:extLst>
             <a:ext uri="{C572A759-6A51-4108-AA02-DFA0A04FC94B}">
-              <ma14:wrappingTextBoxFlag xmlns="" xmlns:m="http://schemas.openxmlformats.org/officeDocument/2006/math" xmlns:a14="http://schemas.microsoft.com/office/drawing/2010/main" xmlns:ma14="http://schemas.microsoft.com/office/mac/drawingml/2011/main" val="1"/>
+              <ma14:wrappingTextBoxFlag xmlns:ma14="http://schemas.microsoft.com/office/mac/drawingml/2011/main" xmlns:a14="http://schemas.microsoft.com/office/drawing/2010/main" xmlns:m="http://schemas.openxmlformats.org/officeDocument/2006/math" xmlns="" val="1"/>
             </a:ext>
           </a:extLst>
         </p:spPr>
@@ -4029,7 +4029,7 @@
           </a:ln>
           <a:extLst>
             <a:ext uri="{C572A759-6A51-4108-AA02-DFA0A04FC94B}">
-              <ma14:wrappingTextBoxFlag xmlns="" xmlns:m="http://schemas.openxmlformats.org/officeDocument/2006/math" xmlns:a14="http://schemas.microsoft.com/office/drawing/2010/main" xmlns:ma14="http://schemas.microsoft.com/office/mac/drawingml/2011/main" val="1"/>
+              <ma14:wrappingTextBoxFlag xmlns:ma14="http://schemas.microsoft.com/office/mac/drawingml/2011/main" xmlns:a14="http://schemas.microsoft.com/office/drawing/2010/main" xmlns:m="http://schemas.openxmlformats.org/officeDocument/2006/math" xmlns="" val="1"/>
             </a:ext>
           </a:extLst>
         </p:spPr>
@@ -4161,7 +4161,7 @@
           </a:ln>
           <a:extLst>
             <a:ext uri="{C572A759-6A51-4108-AA02-DFA0A04FC94B}">
-              <ma14:wrappingTextBoxFlag xmlns="" xmlns:m="http://schemas.openxmlformats.org/officeDocument/2006/math" xmlns:a14="http://schemas.microsoft.com/office/drawing/2010/main" xmlns:ma14="http://schemas.microsoft.com/office/mac/drawingml/2011/main" val="1"/>
+              <ma14:wrappingTextBoxFlag xmlns:ma14="http://schemas.microsoft.com/office/mac/drawingml/2011/main" xmlns:a14="http://schemas.microsoft.com/office/drawing/2010/main" xmlns:m="http://schemas.openxmlformats.org/officeDocument/2006/math" xmlns="" val="1"/>
             </a:ext>
           </a:extLst>
         </p:spPr>
@@ -4215,7 +4215,7 @@
           </a:ln>
           <a:extLst>
             <a:ext uri="{C572A759-6A51-4108-AA02-DFA0A04FC94B}">
-              <ma14:wrappingTextBoxFlag xmlns="" xmlns:m="http://schemas.openxmlformats.org/officeDocument/2006/math" xmlns:a14="http://schemas.microsoft.com/office/drawing/2010/main" xmlns:ma14="http://schemas.microsoft.com/office/mac/drawingml/2011/main" val="1"/>
+              <ma14:wrappingTextBoxFlag xmlns:ma14="http://schemas.microsoft.com/office/mac/drawingml/2011/main" xmlns:a14="http://schemas.microsoft.com/office/drawing/2010/main" xmlns:m="http://schemas.openxmlformats.org/officeDocument/2006/math" xmlns="" val="1"/>
             </a:ext>
           </a:extLst>
         </p:spPr>
@@ -7288,7 +7288,7 @@
         </p:nvSpPr>
         <p:spPr>
           <a:xfrm flipH="1" flipV="1">
-            <a:off x="10009520" y="1632083"/>
+            <a:off x="9984394" y="1388032"/>
             <a:ext cx="80725" cy="7588912"/>
           </a:xfrm>
           <a:prstGeom prst="line">
@@ -7353,7 +7353,7 @@
           </a:ln>
           <a:extLst>
             <a:ext uri="{C572A759-6A51-4108-AA02-DFA0A04FC94B}">
-              <ma14:wrappingTextBoxFlag xmlns="" xmlns:m="http://schemas.openxmlformats.org/officeDocument/2006/math" xmlns:a14="http://schemas.microsoft.com/office/drawing/2010/main" xmlns:ma14="http://schemas.microsoft.com/office/mac/drawingml/2011/main" val="1"/>
+              <ma14:wrappingTextBoxFlag xmlns:ma14="http://schemas.microsoft.com/office/mac/drawingml/2011/main" xmlns:a14="http://schemas.microsoft.com/office/drawing/2010/main" xmlns:m="http://schemas.openxmlformats.org/officeDocument/2006/math" xmlns="" val="1"/>
             </a:ext>
           </a:extLst>
         </p:spPr>
@@ -7413,7 +7413,7 @@
           </a:ln>
           <a:extLst>
             <a:ext uri="{C572A759-6A51-4108-AA02-DFA0A04FC94B}">
-              <ma14:wrappingTextBoxFlag xmlns="" xmlns:m="http://schemas.openxmlformats.org/officeDocument/2006/math" xmlns:a14="http://schemas.microsoft.com/office/drawing/2010/main" xmlns:ma14="http://schemas.microsoft.com/office/mac/drawingml/2011/main" val="1"/>
+              <ma14:wrappingTextBoxFlag xmlns:ma14="http://schemas.microsoft.com/office/mac/drawingml/2011/main" xmlns:a14="http://schemas.microsoft.com/office/drawing/2010/main" xmlns:m="http://schemas.openxmlformats.org/officeDocument/2006/math" xmlns="" val="1"/>
             </a:ext>
           </a:extLst>
         </p:spPr>
@@ -8735,7 +8735,7 @@
           </a:ln>
           <a:extLst>
             <a:ext uri="{C572A759-6A51-4108-AA02-DFA0A04FC94B}">
-              <ma14:wrappingTextBoxFlag xmlns="" xmlns:m="http://schemas.openxmlformats.org/officeDocument/2006/math" xmlns:a14="http://schemas.microsoft.com/office/drawing/2010/main" xmlns:ma14="http://schemas.microsoft.com/office/mac/drawingml/2011/main" val="1"/>
+              <ma14:wrappingTextBoxFlag xmlns:ma14="http://schemas.microsoft.com/office/mac/drawingml/2011/main" xmlns:a14="http://schemas.microsoft.com/office/drawing/2010/main" xmlns:m="http://schemas.openxmlformats.org/officeDocument/2006/math" xmlns="" val="1"/>
             </a:ext>
           </a:extLst>
         </p:spPr>
@@ -10367,7 +10367,7 @@
           </a:ln>
           <a:extLst>
             <a:ext uri="{C572A759-6A51-4108-AA02-DFA0A04FC94B}">
-              <ma14:wrappingTextBoxFlag xmlns="" xmlns:m="http://schemas.openxmlformats.org/officeDocument/2006/math" xmlns:a14="http://schemas.microsoft.com/office/drawing/2010/main" xmlns:ma14="http://schemas.microsoft.com/office/mac/drawingml/2011/main" val="1"/>
+              <ma14:wrappingTextBoxFlag xmlns:ma14="http://schemas.microsoft.com/office/mac/drawingml/2011/main" xmlns:a14="http://schemas.microsoft.com/office/drawing/2010/main" xmlns:m="http://schemas.openxmlformats.org/officeDocument/2006/math" xmlns="" val="1"/>
             </a:ext>
           </a:extLst>
         </p:spPr>
@@ -10455,7 +10455,7 @@
           </a:ln>
           <a:extLst>
             <a:ext uri="{C572A759-6A51-4108-AA02-DFA0A04FC94B}">
-              <ma14:wrappingTextBoxFlag xmlns="" xmlns:m="http://schemas.openxmlformats.org/officeDocument/2006/math" xmlns:a14="http://schemas.microsoft.com/office/drawing/2010/main" xmlns:ma14="http://schemas.microsoft.com/office/mac/drawingml/2011/main" val="1"/>
+              <ma14:wrappingTextBoxFlag xmlns:ma14="http://schemas.microsoft.com/office/mac/drawingml/2011/main" xmlns:a14="http://schemas.microsoft.com/office/drawing/2010/main" xmlns:m="http://schemas.openxmlformats.org/officeDocument/2006/math" xmlns="" val="1"/>
             </a:ext>
           </a:extLst>
         </p:spPr>
@@ -10509,7 +10509,7 @@
           </a:ln>
           <a:extLst>
             <a:ext uri="{C572A759-6A51-4108-AA02-DFA0A04FC94B}">
-              <ma14:wrappingTextBoxFlag xmlns="" xmlns:m="http://schemas.openxmlformats.org/officeDocument/2006/math" xmlns:a14="http://schemas.microsoft.com/office/drawing/2010/main" xmlns:ma14="http://schemas.microsoft.com/office/mac/drawingml/2011/main" val="1"/>
+              <ma14:wrappingTextBoxFlag xmlns:ma14="http://schemas.microsoft.com/office/mac/drawingml/2011/main" xmlns:a14="http://schemas.microsoft.com/office/drawing/2010/main" xmlns:m="http://schemas.openxmlformats.org/officeDocument/2006/math" xmlns="" val="1"/>
             </a:ext>
           </a:extLst>
         </p:spPr>
@@ -10550,7 +10550,7 @@
             </a:r>
             <a:r>
               <a:rPr lang="nb-NO" dirty="0"/>
-              <a:t> </a:t>
+              <a:t> CV and </a:t>
             </a:r>
             <a:r>
               <a:rPr lang="nb-NO" dirty="0" err="1"/>
@@ -11527,6 +11527,36 @@
           </a:p>
         </p:txBody>
       </p:sp>
+      <p:pic>
+        <p:nvPicPr>
+          <p:cNvPr id="3" name="Bilde 2">
+            <a:extLst>
+              <a:ext uri="{FF2B5EF4-FFF2-40B4-BE49-F238E27FC236}">
+                <a16:creationId xmlns:a16="http://schemas.microsoft.com/office/drawing/2014/main" id="{6831755D-642F-632F-5CE8-70F10CEFCE6F}"/>
+              </a:ext>
+            </a:extLst>
+          </p:cNvPr>
+          <p:cNvPicPr>
+            <a:picLocks noChangeAspect="1"/>
+          </p:cNvPicPr>
+          <p:nvPr/>
+        </p:nvPicPr>
+        <p:blipFill>
+          <a:blip r:embed="rId3"/>
+          <a:stretch>
+            <a:fillRect/>
+          </a:stretch>
+        </p:blipFill>
+        <p:spPr>
+          <a:xfrm>
+            <a:off x="2705100" y="3122280"/>
+            <a:ext cx="1629652" cy="1367975"/>
+          </a:xfrm>
+          <a:prstGeom prst="rect">
+            <a:avLst/>
+          </a:prstGeom>
+        </p:spPr>
+      </p:pic>
     </p:spTree>
     <p:extLst>
       <p:ext uri="{BB962C8B-B14F-4D97-AF65-F5344CB8AC3E}">

--- a/cheatSheet.pptx
+++ b/cheatSheet.pptx
@@ -10609,8 +10609,8 @@
         </p:nvSpPr>
         <p:spPr>
           <a:xfrm>
-            <a:off x="238823" y="2697080"/>
-            <a:ext cx="3717058" cy="1726033"/>
+            <a:off x="238823" y="3714965"/>
+            <a:ext cx="3717058" cy="2213346"/>
           </a:xfrm>
           <a:prstGeom prst="rect">
             <a:avLst/>
@@ -10680,6 +10680,60 @@
               <a:buNone/>
               <a:tabLst/>
             </a:pPr>
+            <a:r>
+              <a:rPr lang="nb-NO" sz="1000" dirty="0"/>
+              <a:t># </a:t>
+            </a:r>
+            <a:r>
+              <a:rPr lang="nb-NO" sz="1000" dirty="0" err="1"/>
+              <a:t>load</a:t>
+            </a:r>
+            <a:r>
+              <a:rPr lang="nb-NO" sz="1000" dirty="0"/>
+              <a:t> data</a:t>
+            </a:r>
+            <a:br>
+              <a:rPr lang="nb-NO" sz="1000" dirty="0"/>
+            </a:br>
+            <a:r>
+              <a:rPr lang="nb-NO" sz="1000" dirty="0"/>
+              <a:t>dat1 &lt;- </a:t>
+            </a:r>
+            <a:r>
+              <a:rPr lang="nb-NO" sz="1000" dirty="0" err="1"/>
+              <a:t>readRDS</a:t>
+            </a:r>
+            <a:r>
+              <a:rPr lang="nb-NO" sz="1000" dirty="0"/>
+              <a:t>("~/</a:t>
+            </a:r>
+            <a:r>
+              <a:rPr lang="nb-NO" sz="1000" dirty="0" err="1"/>
+              <a:t>Documents</a:t>
+            </a:r>
+            <a:r>
+              <a:rPr lang="nb-NO" sz="1000" dirty="0"/>
+              <a:t>/GitHub/</a:t>
+            </a:r>
+            <a:r>
+              <a:rPr lang="nb-NO" sz="1000" dirty="0" err="1"/>
+              <a:t>dataPrep</a:t>
+            </a:r>
+            <a:r>
+              <a:rPr lang="nb-NO" sz="1000" dirty="0"/>
+              <a:t>/R/</a:t>
+            </a:r>
+            <a:r>
+              <a:rPr lang="nb-NO" sz="1000" dirty="0" err="1"/>
+              <a:t>example.rds</a:t>
+            </a:r>
+            <a:r>
+              <a:rPr lang="nb-NO" sz="1000" dirty="0"/>
+              <a:t>")</a:t>
+            </a:r>
+            <a:br>
+              <a:rPr lang="nb-NO" sz="1000" b="1" dirty="0"/>
+            </a:br>
             <a:endParaRPr lang="nb-NO" sz="1000" b="1" dirty="0"/>
           </a:p>
           <a:p>
@@ -10700,17 +10754,30 @@
               <a:tabLst/>
             </a:pPr>
             <a:r>
-              <a:rPr lang="nb-NO" sz="1000" dirty="0"/>
-              <a:t>weber	      =    	</a:t>
-            </a:r>
-            <a:r>
-              <a:rPr lang="nb-NO" sz="1000" dirty="0" err="1"/>
-              <a:t>weberMeasure</a:t>
-            </a:r>
-            <a:r>
-              <a:rPr lang="nb-NO" sz="1000" dirty="0"/>
-              <a:t>(</a:t>
-            </a:r>
+              <a:rPr lang="nb-NO" sz="1000" b="1" dirty="0"/>
+              <a:t># </a:t>
+            </a:r>
+            <a:r>
+              <a:rPr lang="nb-NO" sz="1000" b="1" dirty="0" err="1"/>
+              <a:t>Calculate</a:t>
+            </a:r>
+            <a:r>
+              <a:rPr lang="nb-NO" sz="1000" b="1" dirty="0"/>
+              <a:t> CV and </a:t>
+            </a:r>
+            <a:r>
+              <a:rPr lang="nb-NO" sz="1000" b="1" dirty="0" err="1"/>
+              <a:t>Weber’s</a:t>
+            </a:r>
+            <a:r>
+              <a:rPr lang="nb-NO" sz="1000" b="1" dirty="0"/>
+              <a:t> </a:t>
+            </a:r>
+            <a:r>
+              <a:rPr lang="nb-NO" sz="1000" b="1" dirty="0" err="1"/>
+              <a:t>fraction</a:t>
+            </a:r>
+            <a:endParaRPr lang="nb-NO" sz="1000" b="1" dirty="0"/>
           </a:p>
           <a:p>
             <a:pPr marL="0" marR="0" indent="0" algn="l" defTabSz="584200" rtl="0" fontAlgn="auto" latinLnBrk="0" hangingPunct="0">
@@ -10731,15 +10798,15 @@
             </a:pPr>
             <a:r>
               <a:rPr lang="nb-NO" sz="1000" dirty="0"/>
-              <a:t>		</a:t>
+              <a:t>weber	      =    	</a:t>
             </a:r>
             <a:r>
               <a:rPr lang="nb-NO" sz="1000" dirty="0" err="1"/>
-              <a:t>df</a:t>
+              <a:t>weberMeasure</a:t>
             </a:r>
             <a:r>
               <a:rPr lang="nb-NO" sz="1000" dirty="0"/>
-              <a:t>,</a:t>
+              <a:t>(</a:t>
             </a:r>
           </a:p>
           <a:p>
@@ -10761,23 +10828,7 @@
             </a:pPr>
             <a:r>
               <a:rPr lang="nb-NO" sz="1000" dirty="0"/>
-              <a:t>                            	</a:t>
-            </a:r>
-            <a:r>
-              <a:rPr lang="nb-NO" sz="1000" dirty="0" err="1"/>
-              <a:t>numerosity</a:t>
-            </a:r>
-            <a:r>
-              <a:rPr lang="nb-NO" sz="1000" dirty="0"/>
-              <a:t> = "</a:t>
-            </a:r>
-            <a:r>
-              <a:rPr lang="nb-NO" sz="1000" dirty="0" err="1"/>
-              <a:t>dots</a:t>
-            </a:r>
-            <a:r>
-              <a:rPr lang="nb-NO" sz="1000" dirty="0"/>
-              <a:t>",</a:t>
+              <a:t>		dat1,</a:t>
             </a:r>
           </a:p>
           <a:p>
@@ -10803,15 +10854,15 @@
             </a:r>
             <a:r>
               <a:rPr lang="nb-NO" sz="1000" dirty="0" err="1"/>
-              <a:t>answer</a:t>
+              <a:t>numerosity</a:t>
             </a:r>
             <a:r>
               <a:rPr lang="nb-NO" sz="1000" dirty="0"/>
-              <a:t> = "</a:t>
+              <a:t> = »</a:t>
             </a:r>
             <a:r>
               <a:rPr lang="nb-NO" sz="1000" dirty="0" err="1"/>
-              <a:t>answer</a:t>
+              <a:t>numerosity</a:t>
             </a:r>
             <a:r>
               <a:rPr lang="nb-NO" sz="1000" dirty="0"/>
@@ -10841,11 +10892,19 @@
             </a:r>
             <a:r>
               <a:rPr lang="nb-NO" sz="1000" dirty="0" err="1"/>
-              <a:t>central</a:t>
+              <a:t>answer</a:t>
             </a:r>
             <a:r>
               <a:rPr lang="nb-NO" sz="1000" dirty="0"/>
-              <a:t> = "median",</a:t>
+              <a:t> = "</a:t>
+            </a:r>
+            <a:r>
+              <a:rPr lang="nb-NO" sz="1000" dirty="0" err="1"/>
+              <a:t>answer</a:t>
+            </a:r>
+            <a:r>
+              <a:rPr lang="nb-NO" sz="1000" dirty="0"/>
+              <a:t>",</a:t>
             </a:r>
           </a:p>
           <a:p>
@@ -10867,7 +10926,15 @@
             </a:pPr>
             <a:r>
               <a:rPr lang="nb-NO" sz="1000" dirty="0"/>
-              <a:t>                            	plot = TRUE</a:t>
+              <a:t>                            	</a:t>
+            </a:r>
+            <a:r>
+              <a:rPr lang="nb-NO" sz="1000" dirty="0" err="1"/>
+              <a:t>central</a:t>
+            </a:r>
+            <a:r>
+              <a:rPr lang="nb-NO" sz="1000" dirty="0"/>
+              <a:t> = "median",</a:t>
             </a:r>
           </a:p>
           <a:p>
@@ -10889,6 +10956,28 @@
             </a:pPr>
             <a:r>
               <a:rPr lang="nb-NO" sz="1000" dirty="0"/>
+              <a:t>                            	plot = TRUE</a:t>
+            </a:r>
+          </a:p>
+          <a:p>
+            <a:pPr marL="0" marR="0" indent="0" algn="l" defTabSz="584200" rtl="0" fontAlgn="auto" latinLnBrk="0" hangingPunct="0">
+              <a:lnSpc>
+                <a:spcPct val="100000"/>
+              </a:lnSpc>
+              <a:spcBef>
+                <a:spcPts val="200"/>
+              </a:spcBef>
+              <a:spcAft>
+                <a:spcPts val="0"/>
+              </a:spcAft>
+              <a:buClrTx/>
+              <a:buSzTx/>
+              <a:buFontTx/>
+              <a:buNone/>
+              <a:tabLst/>
+            </a:pPr>
+            <a:r>
+              <a:rPr lang="nb-NO" sz="1000" dirty="0"/>
               <a:t>		)</a:t>
             </a:r>
             <a:endParaRPr kumimoji="0" lang="nb-NO" sz="1000" b="0" i="0" u="none" strike="noStrike" cap="none" spc="0" normalizeH="0" baseline="0" dirty="0">
@@ -10922,7 +11011,7 @@
         </p:nvSpPr>
         <p:spPr>
           <a:xfrm>
-            <a:off x="238823" y="2230175"/>
+            <a:off x="245134" y="1943224"/>
             <a:ext cx="2580434" cy="602648"/>
           </a:xfrm>
           <a:prstGeom prst="rect">
@@ -11160,7 +11249,7 @@
         </p:nvSpPr>
         <p:spPr>
           <a:xfrm>
-            <a:off x="238823" y="4490256"/>
+            <a:off x="238823" y="2460579"/>
             <a:ext cx="3717058" cy="1387479"/>
           </a:xfrm>
           <a:prstGeom prst="rect">
@@ -11527,12 +11616,104 @@
           </a:p>
         </p:txBody>
       </p:sp>
+      <p:sp>
+        <p:nvSpPr>
+          <p:cNvPr id="7" name="TekstSylinder 6">
+            <a:extLst>
+              <a:ext uri="{FF2B5EF4-FFF2-40B4-BE49-F238E27FC236}">
+                <a16:creationId xmlns:a16="http://schemas.microsoft.com/office/drawing/2014/main" id="{8DF1AFC8-FA8D-FDF3-00E8-117719BAB3AB}"/>
+              </a:ext>
+            </a:extLst>
+          </p:cNvPr>
+          <p:cNvSpPr txBox="1"/>
+          <p:nvPr/>
+        </p:nvSpPr>
+        <p:spPr>
+          <a:xfrm>
+            <a:off x="238823" y="5916515"/>
+            <a:ext cx="3717058" cy="453890"/>
+          </a:xfrm>
+          <a:prstGeom prst="rect">
+            <a:avLst/>
+          </a:prstGeom>
+          <a:noFill/>
+          <a:ln w="12700" cap="flat">
+            <a:noFill/>
+            <a:miter lim="400000"/>
+          </a:ln>
+          <a:effectLst/>
+          <a:sp3d/>
+        </p:spPr>
+        <p:style>
+          <a:lnRef idx="0">
+            <a:scrgbClr r="0" g="0" b="0"/>
+          </a:lnRef>
+          <a:fillRef idx="0">
+            <a:scrgbClr r="0" g="0" b="0"/>
+          </a:fillRef>
+          <a:effectRef idx="0">
+            <a:scrgbClr r="0" g="0" b="0"/>
+          </a:effectRef>
+          <a:fontRef idx="none"/>
+        </p:style>
+        <p:txBody>
+          <a:bodyPr rot="0" spcFirstLastPara="1" vertOverflow="overflow" horzOverflow="overflow" vert="horz" wrap="square" lIns="54570" tIns="54570" rIns="54570" bIns="54570" numCol="1" spcCol="38100" rtlCol="0" anchor="ctr">
+            <a:spAutoFit/>
+          </a:bodyPr>
+          <a:lstStyle/>
+          <a:p>
+            <a:pPr marL="0" marR="0" indent="0" algn="l" defTabSz="584200" rtl="0" fontAlgn="auto" latinLnBrk="0" hangingPunct="0">
+              <a:lnSpc>
+                <a:spcPct val="100000"/>
+              </a:lnSpc>
+              <a:spcBef>
+                <a:spcPts val="200"/>
+              </a:spcBef>
+              <a:spcAft>
+                <a:spcPts val="0"/>
+              </a:spcAft>
+              <a:buClrTx/>
+              <a:buSzTx/>
+              <a:buFontTx/>
+              <a:buNone/>
+              <a:tabLst/>
+            </a:pPr>
+            <a:r>
+              <a:rPr lang="nb-NO" sz="900" b="1" dirty="0"/>
+              <a:t>Output</a:t>
+            </a:r>
+            <a:r>
+              <a:rPr lang="nb-NO" sz="900" dirty="0"/>
+              <a:t>	</a:t>
+            </a:r>
+          </a:p>
+          <a:p>
+            <a:pPr marL="0" marR="0" indent="0" algn="l" defTabSz="584200" rtl="0" fontAlgn="auto" latinLnBrk="0" hangingPunct="0">
+              <a:lnSpc>
+                <a:spcPct val="100000"/>
+              </a:lnSpc>
+              <a:spcBef>
+                <a:spcPts val="200"/>
+              </a:spcBef>
+              <a:spcAft>
+                <a:spcPts val="0"/>
+              </a:spcAft>
+              <a:buClrTx/>
+              <a:buSzTx/>
+              <a:buFontTx/>
+              <a:buNone/>
+              <a:tabLst/>
+            </a:pPr>
+            <a:endParaRPr lang="nb-NO" sz="1000" dirty="0"/>
+          </a:p>
+        </p:txBody>
+      </p:sp>
       <p:pic>
         <p:nvPicPr>
-          <p:cNvPr id="3" name="Bilde 2">
+          <p:cNvPr id="9" name="Bilde 8">
             <a:extLst>
               <a:ext uri="{FF2B5EF4-FFF2-40B4-BE49-F238E27FC236}">
-                <a16:creationId xmlns:a16="http://schemas.microsoft.com/office/drawing/2014/main" id="{6831755D-642F-632F-5CE8-70F10CEFCE6F}"/>
+                <a16:creationId xmlns:a16="http://schemas.microsoft.com/office/drawing/2014/main" id="{B931D4B0-DECF-8BE1-AFED-FB9242DE82D1}"/>
               </a:ext>
             </a:extLst>
           </p:cNvPr>
@@ -11549,8 +11730,38 @@
         </p:blipFill>
         <p:spPr>
           <a:xfrm>
-            <a:off x="2705100" y="3122280"/>
-            <a:ext cx="1629652" cy="1367975"/>
+            <a:off x="1993344" y="6307290"/>
+            <a:ext cx="1787747" cy="1507876"/>
+          </a:xfrm>
+          <a:prstGeom prst="rect">
+            <a:avLst/>
+          </a:prstGeom>
+        </p:spPr>
+      </p:pic>
+      <p:pic>
+        <p:nvPicPr>
+          <p:cNvPr id="10" name="Bilde 9">
+            <a:extLst>
+              <a:ext uri="{FF2B5EF4-FFF2-40B4-BE49-F238E27FC236}">
+                <a16:creationId xmlns:a16="http://schemas.microsoft.com/office/drawing/2014/main" id="{B350101A-E35C-DD65-7165-A1B7B59B1AD6}"/>
+              </a:ext>
+            </a:extLst>
+          </p:cNvPr>
+          <p:cNvPicPr>
+            <a:picLocks noChangeAspect="1"/>
+          </p:cNvPicPr>
+          <p:nvPr/>
+        </p:nvPicPr>
+        <p:blipFill>
+          <a:blip r:embed="rId4"/>
+          <a:stretch>
+            <a:fillRect/>
+          </a:stretch>
+        </p:blipFill>
+        <p:spPr>
+          <a:xfrm>
+            <a:off x="275721" y="6688916"/>
+            <a:ext cx="1514111" cy="684461"/>
           </a:xfrm>
           <a:prstGeom prst="rect">
             <a:avLst/>

--- a/cheatSheet.pptx
+++ b/cheatSheet.pptx
@@ -2162,7 +2162,7 @@
           </a:ln>
           <a:extLst>
             <a:ext uri="{C572A759-6A51-4108-AA02-DFA0A04FC94B}">
-              <ma14:wrappingTextBoxFlag xmlns:ma14="http://schemas.microsoft.com/office/mac/drawingml/2011/main" xmlns:a14="http://schemas.microsoft.com/office/drawing/2010/main" xmlns:m="http://schemas.openxmlformats.org/officeDocument/2006/math" xmlns="" val="1"/>
+              <ma14:wrappingTextBoxFlag xmlns="" xmlns:m="http://schemas.openxmlformats.org/officeDocument/2006/math" xmlns:a14="http://schemas.microsoft.com/office/drawing/2010/main" xmlns:ma14="http://schemas.microsoft.com/office/mac/drawingml/2011/main" val="1"/>
             </a:ext>
           </a:extLst>
         </p:spPr>
@@ -2201,7 +2201,7 @@
           </a:ln>
           <a:extLst>
             <a:ext uri="{C572A759-6A51-4108-AA02-DFA0A04FC94B}">
-              <ma14:wrappingTextBoxFlag xmlns:ma14="http://schemas.microsoft.com/office/mac/drawingml/2011/main" xmlns:a14="http://schemas.microsoft.com/office/drawing/2010/main" xmlns:m="http://schemas.openxmlformats.org/officeDocument/2006/math" xmlns="" val="1"/>
+              <ma14:wrappingTextBoxFlag xmlns="" xmlns:m="http://schemas.openxmlformats.org/officeDocument/2006/math" xmlns:a14="http://schemas.microsoft.com/office/drawing/2010/main" xmlns:ma14="http://schemas.microsoft.com/office/mac/drawingml/2011/main" val="1"/>
             </a:ext>
           </a:extLst>
         </p:spPr>
@@ -3048,7 +3048,7 @@
         </p:nvSpPr>
         <p:spPr>
           <a:xfrm>
-            <a:off x="258154" y="1198412"/>
+            <a:off x="177966" y="1627328"/>
             <a:ext cx="3328451" cy="3218628"/>
           </a:xfrm>
           <a:prstGeom prst="rect">
@@ -3250,7 +3250,7 @@
         </p:nvSpPr>
         <p:spPr>
           <a:xfrm>
-            <a:off x="308334" y="1745691"/>
+            <a:off x="287261" y="2256079"/>
             <a:ext cx="3094072" cy="2379068"/>
           </a:xfrm>
           <a:prstGeom prst="rect">
@@ -3261,7 +3261,7 @@
           </a:ln>
           <a:extLst>
             <a:ext uri="{C572A759-6A51-4108-AA02-DFA0A04FC94B}">
-              <ma14:wrappingTextBoxFlag xmlns:ma14="http://schemas.microsoft.com/office/mac/drawingml/2011/main" xmlns:a14="http://schemas.microsoft.com/office/drawing/2010/main" xmlns:m="http://schemas.openxmlformats.org/officeDocument/2006/math" xmlns="" val="1"/>
+              <ma14:wrappingTextBoxFlag xmlns="" xmlns:m="http://schemas.openxmlformats.org/officeDocument/2006/math" xmlns:a14="http://schemas.microsoft.com/office/drawing/2010/main" xmlns:ma14="http://schemas.microsoft.com/office/mac/drawingml/2011/main" val="1"/>
             </a:ext>
           </a:extLst>
         </p:spPr>
@@ -3864,7 +3864,7 @@
         </p:nvSpPr>
         <p:spPr>
           <a:xfrm>
-            <a:off x="282688" y="1220487"/>
+            <a:off x="287261" y="1740612"/>
             <a:ext cx="1516441" cy="340029"/>
           </a:xfrm>
           <a:prstGeom prst="rect">
@@ -3875,7 +3875,7 @@
           </a:ln>
           <a:extLst>
             <a:ext uri="{C572A759-6A51-4108-AA02-DFA0A04FC94B}">
-              <ma14:wrappingTextBoxFlag xmlns:ma14="http://schemas.microsoft.com/office/mac/drawingml/2011/main" xmlns:a14="http://schemas.microsoft.com/office/drawing/2010/main" xmlns:m="http://schemas.openxmlformats.org/officeDocument/2006/math" xmlns="" val="1"/>
+              <ma14:wrappingTextBoxFlag xmlns="" xmlns:m="http://schemas.openxmlformats.org/officeDocument/2006/math" xmlns:a14="http://schemas.microsoft.com/office/drawing/2010/main" xmlns:ma14="http://schemas.microsoft.com/office/mac/drawingml/2011/main" val="1"/>
             </a:ext>
           </a:extLst>
         </p:spPr>
@@ -3903,18 +3903,18 @@
               </a:defRPr>
             </a:pPr>
             <a:r>
-              <a:rPr lang="nb-NO" err="1"/>
+              <a:rPr lang="nb-NO" dirty="0" err="1"/>
               <a:t>Get</a:t>
             </a:r>
             <a:r>
-              <a:rPr lang="nb-NO"/>
+              <a:rPr lang="nb-NO" dirty="0"/>
               <a:t> </a:t>
             </a:r>
             <a:r>
-              <a:rPr lang="nb-NO" err="1"/>
+              <a:rPr lang="nb-NO" dirty="0" err="1"/>
               <a:t>started</a:t>
             </a:r>
-            <a:endParaRPr/>
+            <a:endParaRPr dirty="0"/>
           </a:p>
         </p:txBody>
       </p:sp>
@@ -3971,9 +3971,9 @@
           <p:nvPr/>
         </p:nvSpPr>
         <p:spPr>
-          <a:xfrm>
-            <a:off x="3722238" y="1211871"/>
-            <a:ext cx="9960605" cy="5337"/>
+          <a:xfrm flipV="1">
+            <a:off x="266663" y="1019423"/>
+            <a:ext cx="13369881" cy="35689"/>
           </a:xfrm>
           <a:prstGeom prst="line">
             <a:avLst/>
@@ -4029,7 +4029,7 @@
           </a:ln>
           <a:extLst>
             <a:ext uri="{C572A759-6A51-4108-AA02-DFA0A04FC94B}">
-              <ma14:wrappingTextBoxFlag xmlns:ma14="http://schemas.microsoft.com/office/mac/drawingml/2011/main" xmlns:a14="http://schemas.microsoft.com/office/drawing/2010/main" xmlns:m="http://schemas.openxmlformats.org/officeDocument/2006/math" xmlns="" val="1"/>
+              <ma14:wrappingTextBoxFlag xmlns="" xmlns:m="http://schemas.openxmlformats.org/officeDocument/2006/math" xmlns:a14="http://schemas.microsoft.com/office/drawing/2010/main" xmlns:ma14="http://schemas.microsoft.com/office/mac/drawingml/2011/main" val="1"/>
             </a:ext>
           </a:extLst>
         </p:spPr>
@@ -4102,7 +4102,7 @@
         </p:nvSpPr>
         <p:spPr>
           <a:xfrm>
-            <a:off x="310208" y="4604865"/>
+            <a:off x="266663" y="4949043"/>
             <a:ext cx="3133085" cy="1"/>
           </a:xfrm>
           <a:prstGeom prst="line">
@@ -4150,7 +4150,7 @@
         </p:nvSpPr>
         <p:spPr>
           <a:xfrm>
-            <a:off x="3711761" y="1262439"/>
+            <a:off x="3734348" y="1261698"/>
             <a:ext cx="1886169" cy="340029"/>
           </a:xfrm>
           <a:prstGeom prst="rect">
@@ -4161,7 +4161,7 @@
           </a:ln>
           <a:extLst>
             <a:ext uri="{C572A759-6A51-4108-AA02-DFA0A04FC94B}">
-              <ma14:wrappingTextBoxFlag xmlns:ma14="http://schemas.microsoft.com/office/mac/drawingml/2011/main" xmlns:a14="http://schemas.microsoft.com/office/drawing/2010/main" xmlns:m="http://schemas.openxmlformats.org/officeDocument/2006/math" xmlns="" val="1"/>
+              <ma14:wrappingTextBoxFlag xmlns="" xmlns:m="http://schemas.openxmlformats.org/officeDocument/2006/math" xmlns:a14="http://schemas.microsoft.com/office/drawing/2010/main" xmlns:ma14="http://schemas.microsoft.com/office/mac/drawingml/2011/main" val="1"/>
             </a:ext>
           </a:extLst>
         </p:spPr>
@@ -4215,7 +4215,7 @@
           </a:ln>
           <a:extLst>
             <a:ext uri="{C572A759-6A51-4108-AA02-DFA0A04FC94B}">
-              <ma14:wrappingTextBoxFlag xmlns:ma14="http://schemas.microsoft.com/office/mac/drawingml/2011/main" xmlns:a14="http://schemas.microsoft.com/office/drawing/2010/main" xmlns:m="http://schemas.openxmlformats.org/officeDocument/2006/math" xmlns="" val="1"/>
+              <ma14:wrappingTextBoxFlag xmlns="" xmlns:m="http://schemas.openxmlformats.org/officeDocument/2006/math" xmlns:a14="http://schemas.microsoft.com/office/drawing/2010/main" xmlns:ma14="http://schemas.microsoft.com/office/mac/drawingml/2011/main" val="1"/>
             </a:ext>
           </a:extLst>
         </p:spPr>
@@ -7288,8 +7288,8 @@
         </p:nvSpPr>
         <p:spPr>
           <a:xfrm flipH="1" flipV="1">
-            <a:off x="9984394" y="1388032"/>
-            <a:ext cx="80725" cy="7588912"/>
+            <a:off x="10039311" y="1385135"/>
+            <a:ext cx="34825" cy="8402331"/>
           </a:xfrm>
           <a:prstGeom prst="line">
             <a:avLst/>
@@ -7353,7 +7353,7 @@
           </a:ln>
           <a:extLst>
             <a:ext uri="{C572A759-6A51-4108-AA02-DFA0A04FC94B}">
-              <ma14:wrappingTextBoxFlag xmlns:ma14="http://schemas.microsoft.com/office/mac/drawingml/2011/main" xmlns:a14="http://schemas.microsoft.com/office/drawing/2010/main" xmlns:m="http://schemas.openxmlformats.org/officeDocument/2006/math" xmlns="" val="1"/>
+              <ma14:wrappingTextBoxFlag xmlns="" xmlns:m="http://schemas.openxmlformats.org/officeDocument/2006/math" xmlns:a14="http://schemas.microsoft.com/office/drawing/2010/main" xmlns:ma14="http://schemas.microsoft.com/office/mac/drawingml/2011/main" val="1"/>
             </a:ext>
           </a:extLst>
         </p:spPr>
@@ -7413,7 +7413,7 @@
           </a:ln>
           <a:extLst>
             <a:ext uri="{C572A759-6A51-4108-AA02-DFA0A04FC94B}">
-              <ma14:wrappingTextBoxFlag xmlns:ma14="http://schemas.microsoft.com/office/mac/drawingml/2011/main" xmlns:a14="http://schemas.microsoft.com/office/drawing/2010/main" xmlns:m="http://schemas.openxmlformats.org/officeDocument/2006/math" xmlns="" val="1"/>
+              <ma14:wrappingTextBoxFlag xmlns="" xmlns:m="http://schemas.openxmlformats.org/officeDocument/2006/math" xmlns:a14="http://schemas.microsoft.com/office/drawing/2010/main" xmlns:ma14="http://schemas.microsoft.com/office/mac/drawingml/2011/main" val="1"/>
             </a:ext>
           </a:extLst>
         </p:spPr>
@@ -7514,2638 +7514,55 @@
       </p:sp>
       <p:sp>
         <p:nvSpPr>
-          <p:cNvPr id="19" name="TekstSylinder 18">
+          <p:cNvPr id="10" name="Line">
             <a:extLst>
               <a:ext uri="{FF2B5EF4-FFF2-40B4-BE49-F238E27FC236}">
-                <a16:creationId xmlns:a16="http://schemas.microsoft.com/office/drawing/2014/main" id="{896438F1-4813-53BB-CF9D-F31DBB4D5598}"/>
+                <a16:creationId xmlns:a16="http://schemas.microsoft.com/office/drawing/2014/main" id="{44CC703D-B4B9-2C52-3814-1481AE445AD8}"/>
               </a:ext>
             </a:extLst>
           </p:cNvPr>
-          <p:cNvSpPr txBox="1"/>
+          <p:cNvSpPr/>
           <p:nvPr/>
         </p:nvSpPr>
         <p:spPr>
-          <a:xfrm>
-            <a:off x="10143515" y="2023259"/>
-            <a:ext cx="2301511" cy="2880195"/>
+          <a:xfrm flipH="1" flipV="1">
+            <a:off x="3552717" y="1276190"/>
+            <a:ext cx="65819" cy="8464670"/>
           </a:xfrm>
-          <a:prstGeom prst="rect">
-            <a:avLst/>
-          </a:prstGeom>
-          <a:noFill/>
-          <a:ln w="12700" cap="flat">
-            <a:noFill/>
-            <a:miter lim="400000"/>
-          </a:ln>
-          <a:effectLst/>
-          <a:sp3d/>
-        </p:spPr>
-        <p:style>
-          <a:lnRef idx="0">
-            <a:scrgbClr r="0" g="0" b="0"/>
-          </a:lnRef>
-          <a:fillRef idx="0">
-            <a:scrgbClr r="0" g="0" b="0"/>
-          </a:fillRef>
-          <a:effectRef idx="0">
-            <a:scrgbClr r="0" g="0" b="0"/>
-          </a:effectRef>
-          <a:fontRef idx="none"/>
-        </p:style>
-        <p:txBody>
-          <a:bodyPr rot="0" spcFirstLastPara="1" vertOverflow="overflow" horzOverflow="overflow" vert="horz" wrap="none" lIns="54570" tIns="54570" rIns="54570" bIns="54570" numCol="1" spcCol="38100" rtlCol="0" anchor="ctr">
-            <a:spAutoFit/>
-          </a:bodyPr>
-          <a:lstStyle/>
-          <a:p>
-            <a:pPr marL="0" marR="0" indent="0" algn="l" defTabSz="584200" rtl="0" fontAlgn="auto" latinLnBrk="0" hangingPunct="0">
-              <a:lnSpc>
-                <a:spcPct val="100000"/>
-              </a:lnSpc>
-              <a:spcBef>
-                <a:spcPts val="200"/>
-              </a:spcBef>
-              <a:spcAft>
-                <a:spcPts val="0"/>
-              </a:spcAft>
-              <a:buClrTx/>
-              <a:buSzTx/>
-              <a:buFontTx/>
-              <a:buNone/>
-              <a:tabLst/>
-            </a:pPr>
-            <a:r>
-              <a:rPr lang="nb-NO" sz="1000" b="1" dirty="0" err="1"/>
-              <a:t>Example</a:t>
-            </a:r>
-            <a:br>
-              <a:rPr kumimoji="0" lang="nb-NO" sz="1000" b="0" i="0" u="none" strike="noStrike" cap="none" spc="0" normalizeH="0" baseline="0" dirty="0">
-                <a:ln>
-                  <a:noFill/>
-                </a:ln>
-                <a:solidFill>
-                  <a:srgbClr val="4C4C4C"/>
-                </a:solidFill>
-                <a:effectLst/>
-                <a:uFillTx/>
-                <a:latin typeface="Source Sans Pro Bold"/>
-                <a:ea typeface="Source Sans Pro Bold"/>
-                <a:cs typeface="Source Sans Pro Bold"/>
-                <a:sym typeface="Source Sans Pro Bold"/>
-              </a:rPr>
-            </a:br>
-            <a:br>
-              <a:rPr kumimoji="0" lang="nb-NO" sz="1000" b="0" i="0" u="none" strike="noStrike" cap="none" spc="0" normalizeH="0" baseline="0" dirty="0">
-                <a:ln>
-                  <a:noFill/>
-                </a:ln>
-                <a:solidFill>
-                  <a:srgbClr val="4C4C4C"/>
-                </a:solidFill>
-                <a:effectLst/>
-                <a:uFillTx/>
-                <a:latin typeface="Source Sans Pro Bold"/>
-                <a:ea typeface="Source Sans Pro Bold"/>
-                <a:cs typeface="Source Sans Pro Bold"/>
-                <a:sym typeface="Source Sans Pro Bold"/>
-              </a:rPr>
-            </a:br>
-            <a:r>
-              <a:rPr kumimoji="0" lang="nb-NO" sz="1000" b="0" i="0" u="none" strike="noStrike" cap="none" spc="0" normalizeH="0" baseline="0" dirty="0" err="1">
-                <a:ln>
-                  <a:noFill/>
-                </a:ln>
-                <a:solidFill>
-                  <a:srgbClr val="4C4C4C"/>
-                </a:solidFill>
-                <a:effectLst/>
-                <a:uFillTx/>
-                <a:latin typeface="Source Sans Pro Bold"/>
-                <a:ea typeface="Source Sans Pro Bold"/>
-                <a:cs typeface="Source Sans Pro Bold"/>
-                <a:sym typeface="Source Sans Pro Bold"/>
-              </a:rPr>
-              <a:t>newDf</a:t>
-            </a:r>
-            <a:r>
-              <a:rPr kumimoji="0" lang="nb-NO" sz="1000" b="0" i="0" u="none" strike="noStrike" cap="none" spc="0" normalizeH="0" baseline="0" dirty="0">
-                <a:ln>
-                  <a:noFill/>
-                </a:ln>
-                <a:solidFill>
-                  <a:srgbClr val="4C4C4C"/>
-                </a:solidFill>
-                <a:effectLst/>
-                <a:uFillTx/>
-                <a:latin typeface="Source Sans Pro Bold"/>
-                <a:ea typeface="Source Sans Pro Bold"/>
-                <a:cs typeface="Source Sans Pro Bold"/>
-                <a:sym typeface="Source Sans Pro Bold"/>
-              </a:rPr>
-              <a:t>     =      </a:t>
-            </a:r>
-            <a:r>
-              <a:rPr kumimoji="0" lang="nb-NO" sz="1000" b="0" i="0" u="none" strike="noStrike" cap="none" spc="0" normalizeH="0" baseline="0" dirty="0" err="1">
-                <a:ln>
-                  <a:noFill/>
-                </a:ln>
-                <a:solidFill>
-                  <a:srgbClr val="4C4C4C"/>
-                </a:solidFill>
-                <a:effectLst/>
-                <a:uFillTx/>
-                <a:latin typeface="Source Sans Pro Bold"/>
-                <a:ea typeface="Source Sans Pro Bold"/>
-                <a:cs typeface="Source Sans Pro Bold"/>
-                <a:sym typeface="Source Sans Pro Bold"/>
-              </a:rPr>
-              <a:t>removeOutliers</a:t>
-            </a:r>
-            <a:r>
-              <a:rPr kumimoji="0" lang="nb-NO" sz="1000" b="0" i="0" u="none" strike="noStrike" cap="none" spc="0" normalizeH="0" baseline="0" dirty="0">
-                <a:ln>
-                  <a:noFill/>
-                </a:ln>
-                <a:solidFill>
-                  <a:srgbClr val="4C4C4C"/>
-                </a:solidFill>
-                <a:effectLst/>
-                <a:uFillTx/>
-                <a:latin typeface="Source Sans Pro Bold"/>
-                <a:ea typeface="Source Sans Pro Bold"/>
-                <a:cs typeface="Source Sans Pro Bold"/>
-                <a:sym typeface="Source Sans Pro Bold"/>
-              </a:rPr>
-              <a:t>(</a:t>
-            </a:r>
-            <a:br>
-              <a:rPr kumimoji="0" lang="nb-NO" sz="1000" b="0" i="0" u="none" strike="noStrike" cap="none" spc="0" normalizeH="0" baseline="0" dirty="0">
-                <a:ln>
-                  <a:noFill/>
-                </a:ln>
-                <a:solidFill>
-                  <a:srgbClr val="4C4C4C"/>
-                </a:solidFill>
-                <a:effectLst/>
-                <a:uFillTx/>
-                <a:latin typeface="Source Sans Pro Bold"/>
-                <a:ea typeface="Source Sans Pro Bold"/>
-                <a:cs typeface="Source Sans Pro Bold"/>
-                <a:sym typeface="Source Sans Pro Bold"/>
-              </a:rPr>
-            </a:br>
-            <a:r>
-              <a:rPr kumimoji="0" lang="nb-NO" sz="1000" b="0" i="0" u="none" strike="noStrike" cap="none" spc="0" normalizeH="0" baseline="0" dirty="0">
-                <a:ln>
-                  <a:noFill/>
-                </a:ln>
-                <a:solidFill>
-                  <a:srgbClr val="4C4C4C"/>
-                </a:solidFill>
-                <a:effectLst/>
-                <a:uFillTx/>
-                <a:latin typeface="Source Sans Pro Bold"/>
-                <a:ea typeface="Source Sans Pro Bold"/>
-                <a:cs typeface="Source Sans Pro Bold"/>
-                <a:sym typeface="Source Sans Pro Bold"/>
-              </a:rPr>
-              <a:t>                          </a:t>
-            </a:r>
-            <a:r>
-              <a:rPr kumimoji="0" lang="nb-NO" sz="1000" b="0" i="0" u="none" strike="noStrike" cap="none" spc="0" normalizeH="0" baseline="0" dirty="0" err="1">
-                <a:ln>
-                  <a:noFill/>
-                </a:ln>
-                <a:solidFill>
-                  <a:srgbClr val="4C4C4C"/>
-                </a:solidFill>
-                <a:effectLst/>
-                <a:uFillTx/>
-                <a:latin typeface="Source Sans Pro Bold"/>
-                <a:ea typeface="Source Sans Pro Bold"/>
-                <a:cs typeface="Source Sans Pro Bold"/>
-                <a:sym typeface="Source Sans Pro Bold"/>
-              </a:rPr>
-              <a:t>df</a:t>
-            </a:r>
-            <a:r>
-              <a:rPr kumimoji="0" lang="nb-NO" sz="1000" b="0" i="0" u="none" strike="noStrike" cap="none" spc="0" normalizeH="0" baseline="0" dirty="0">
-                <a:ln>
-                  <a:noFill/>
-                </a:ln>
-                <a:solidFill>
-                  <a:srgbClr val="4C4C4C"/>
-                </a:solidFill>
-                <a:effectLst/>
-                <a:uFillTx/>
-                <a:latin typeface="Source Sans Pro Bold"/>
-                <a:ea typeface="Source Sans Pro Bold"/>
-                <a:cs typeface="Source Sans Pro Bold"/>
-                <a:sym typeface="Source Sans Pro Bold"/>
-              </a:rPr>
-              <a:t>,</a:t>
-            </a:r>
-          </a:p>
-          <a:p>
-            <a:pPr marL="0" marR="0" indent="0" algn="l" defTabSz="584200" rtl="0" fontAlgn="auto" latinLnBrk="0" hangingPunct="0">
-              <a:lnSpc>
-                <a:spcPct val="100000"/>
-              </a:lnSpc>
-              <a:spcBef>
-                <a:spcPts val="200"/>
-              </a:spcBef>
-              <a:spcAft>
-                <a:spcPts val="0"/>
-              </a:spcAft>
-              <a:buClrTx/>
-              <a:buSzTx/>
-              <a:buFontTx/>
-              <a:buNone/>
-              <a:tabLst/>
-            </a:pPr>
-            <a:r>
-              <a:rPr kumimoji="0" lang="nb-NO" sz="1000" b="0" i="0" u="none" strike="noStrike" cap="none" spc="0" normalizeH="0" baseline="0" dirty="0">
-                <a:ln>
-                  <a:noFill/>
-                </a:ln>
-                <a:solidFill>
-                  <a:srgbClr val="4C4C4C"/>
-                </a:solidFill>
-                <a:effectLst/>
-                <a:uFillTx/>
-                <a:latin typeface="Source Sans Pro Bold"/>
-                <a:ea typeface="Source Sans Pro Bold"/>
-                <a:cs typeface="Source Sans Pro Bold"/>
-                <a:sym typeface="Source Sans Pro Bold"/>
-              </a:rPr>
-              <a:t>                          </a:t>
-            </a:r>
-            <a:r>
-              <a:rPr kumimoji="0" lang="nb-NO" sz="1000" b="0" i="0" u="none" strike="noStrike" cap="none" spc="0" normalizeH="0" baseline="0" dirty="0" err="1">
-                <a:ln>
-                  <a:noFill/>
-                </a:ln>
-                <a:solidFill>
-                  <a:srgbClr val="4C4C4C"/>
-                </a:solidFill>
-                <a:effectLst/>
-                <a:uFillTx/>
-                <a:latin typeface="Source Sans Pro Bold"/>
-                <a:ea typeface="Source Sans Pro Bold"/>
-                <a:cs typeface="Source Sans Pro Bold"/>
-                <a:sym typeface="Source Sans Pro Bold"/>
-              </a:rPr>
-              <a:t>numerosity</a:t>
-            </a:r>
-            <a:r>
-              <a:rPr kumimoji="0" lang="nb-NO" sz="1000" b="0" i="0" u="none" strike="noStrike" cap="none" spc="0" normalizeH="0" baseline="0" dirty="0">
-                <a:ln>
-                  <a:noFill/>
-                </a:ln>
-                <a:solidFill>
-                  <a:srgbClr val="4C4C4C"/>
-                </a:solidFill>
-                <a:effectLst/>
-                <a:uFillTx/>
-                <a:latin typeface="Source Sans Pro Bold"/>
-                <a:ea typeface="Source Sans Pro Bold"/>
-                <a:cs typeface="Source Sans Pro Bold"/>
-                <a:sym typeface="Source Sans Pro Bold"/>
-              </a:rPr>
-              <a:t> = "</a:t>
-            </a:r>
-            <a:r>
-              <a:rPr kumimoji="0" lang="nb-NO" sz="1000" b="0" i="0" u="none" strike="noStrike" cap="none" spc="0" normalizeH="0" baseline="0" dirty="0" err="1">
-                <a:ln>
-                  <a:noFill/>
-                </a:ln>
-                <a:solidFill>
-                  <a:srgbClr val="4C4C4C"/>
-                </a:solidFill>
-                <a:effectLst/>
-                <a:uFillTx/>
-                <a:latin typeface="Source Sans Pro Bold"/>
-                <a:ea typeface="Source Sans Pro Bold"/>
-                <a:cs typeface="Source Sans Pro Bold"/>
-                <a:sym typeface="Source Sans Pro Bold"/>
-              </a:rPr>
-              <a:t>numerosity</a:t>
-            </a:r>
-            <a:r>
-              <a:rPr kumimoji="0" lang="nb-NO" sz="1000" b="0" i="0" u="none" strike="noStrike" cap="none" spc="0" normalizeH="0" baseline="0" dirty="0">
-                <a:ln>
-                  <a:noFill/>
-                </a:ln>
-                <a:solidFill>
-                  <a:srgbClr val="4C4C4C"/>
-                </a:solidFill>
-                <a:effectLst/>
-                <a:uFillTx/>
-                <a:latin typeface="Source Sans Pro Bold"/>
-                <a:ea typeface="Source Sans Pro Bold"/>
-                <a:cs typeface="Source Sans Pro Bold"/>
-                <a:sym typeface="Source Sans Pro Bold"/>
-              </a:rPr>
-              <a:t>",</a:t>
-            </a:r>
-          </a:p>
-          <a:p>
-            <a:pPr marL="0" marR="0" indent="0" algn="l" defTabSz="584200" rtl="0" fontAlgn="auto" latinLnBrk="0" hangingPunct="0">
-              <a:lnSpc>
-                <a:spcPct val="100000"/>
-              </a:lnSpc>
-              <a:spcBef>
-                <a:spcPts val="200"/>
-              </a:spcBef>
-              <a:spcAft>
-                <a:spcPts val="0"/>
-              </a:spcAft>
-              <a:buClrTx/>
-              <a:buSzTx/>
-              <a:buFontTx/>
-              <a:buNone/>
-              <a:tabLst/>
-            </a:pPr>
-            <a:r>
-              <a:rPr kumimoji="0" lang="nb-NO" sz="1000" b="0" i="0" u="none" strike="noStrike" cap="none" spc="0" normalizeH="0" baseline="0" dirty="0">
-                <a:ln>
-                  <a:noFill/>
-                </a:ln>
-                <a:solidFill>
-                  <a:srgbClr val="4C4C4C"/>
-                </a:solidFill>
-                <a:effectLst/>
-                <a:uFillTx/>
-                <a:latin typeface="Source Sans Pro Bold"/>
-                <a:ea typeface="Source Sans Pro Bold"/>
-                <a:cs typeface="Source Sans Pro Bold"/>
-                <a:sym typeface="Source Sans Pro Bold"/>
-              </a:rPr>
-              <a:t>                          </a:t>
-            </a:r>
-            <a:r>
-              <a:rPr kumimoji="0" lang="nb-NO" sz="1000" b="0" i="0" u="none" strike="noStrike" cap="none" spc="0" normalizeH="0" baseline="0" dirty="0" err="1">
-                <a:ln>
-                  <a:noFill/>
-                </a:ln>
-                <a:solidFill>
-                  <a:srgbClr val="4C4C4C"/>
-                </a:solidFill>
-                <a:effectLst/>
-                <a:uFillTx/>
-                <a:latin typeface="Source Sans Pro Bold"/>
-                <a:ea typeface="Source Sans Pro Bold"/>
-                <a:cs typeface="Source Sans Pro Bold"/>
-                <a:sym typeface="Source Sans Pro Bold"/>
-              </a:rPr>
-              <a:t>answer</a:t>
-            </a:r>
-            <a:r>
-              <a:rPr kumimoji="0" lang="nb-NO" sz="1000" b="0" i="0" u="none" strike="noStrike" cap="none" spc="0" normalizeH="0" baseline="0" dirty="0">
-                <a:ln>
-                  <a:noFill/>
-                </a:ln>
-                <a:solidFill>
-                  <a:srgbClr val="4C4C4C"/>
-                </a:solidFill>
-                <a:effectLst/>
-                <a:uFillTx/>
-                <a:latin typeface="Source Sans Pro Bold"/>
-                <a:ea typeface="Source Sans Pro Bold"/>
-                <a:cs typeface="Source Sans Pro Bold"/>
-                <a:sym typeface="Source Sans Pro Bold"/>
-              </a:rPr>
-              <a:t> = "</a:t>
-            </a:r>
-            <a:r>
-              <a:rPr kumimoji="0" lang="nb-NO" sz="1000" b="0" i="0" u="none" strike="noStrike" cap="none" spc="0" normalizeH="0" baseline="0" dirty="0" err="1">
-                <a:ln>
-                  <a:noFill/>
-                </a:ln>
-                <a:solidFill>
-                  <a:srgbClr val="4C4C4C"/>
-                </a:solidFill>
-                <a:effectLst/>
-                <a:uFillTx/>
-                <a:latin typeface="Source Sans Pro Bold"/>
-                <a:ea typeface="Source Sans Pro Bold"/>
-                <a:cs typeface="Source Sans Pro Bold"/>
-                <a:sym typeface="Source Sans Pro Bold"/>
-              </a:rPr>
-              <a:t>answer</a:t>
-            </a:r>
-            <a:r>
-              <a:rPr kumimoji="0" lang="nb-NO" sz="1000" b="0" i="0" u="none" strike="noStrike" cap="none" spc="0" normalizeH="0" baseline="0" dirty="0">
-                <a:ln>
-                  <a:noFill/>
-                </a:ln>
-                <a:solidFill>
-                  <a:srgbClr val="4C4C4C"/>
-                </a:solidFill>
-                <a:effectLst/>
-                <a:uFillTx/>
-                <a:latin typeface="Source Sans Pro Bold"/>
-                <a:ea typeface="Source Sans Pro Bold"/>
-                <a:cs typeface="Source Sans Pro Bold"/>
-                <a:sym typeface="Source Sans Pro Bold"/>
-              </a:rPr>
-              <a:t>",</a:t>
-            </a:r>
-          </a:p>
-          <a:p>
-            <a:pPr marL="0" marR="0" indent="0" algn="l" defTabSz="584200" rtl="0" fontAlgn="auto" latinLnBrk="0" hangingPunct="0">
-              <a:lnSpc>
-                <a:spcPct val="100000"/>
-              </a:lnSpc>
-              <a:spcBef>
-                <a:spcPts val="200"/>
-              </a:spcBef>
-              <a:spcAft>
-                <a:spcPts val="0"/>
-              </a:spcAft>
-              <a:buClrTx/>
-              <a:buSzTx/>
-              <a:buFontTx/>
-              <a:buNone/>
-              <a:tabLst/>
-            </a:pPr>
-            <a:r>
-              <a:rPr kumimoji="0" lang="nb-NO" sz="1000" b="0" i="0" u="none" strike="noStrike" cap="none" spc="0" normalizeH="0" baseline="0" dirty="0">
-                <a:ln>
-                  <a:noFill/>
-                </a:ln>
-                <a:solidFill>
-                  <a:srgbClr val="4C4C4C"/>
-                </a:solidFill>
-                <a:effectLst/>
-                <a:uFillTx/>
-                <a:latin typeface="Source Sans Pro Bold"/>
-                <a:ea typeface="Source Sans Pro Bold"/>
-                <a:cs typeface="Source Sans Pro Bold"/>
-                <a:sym typeface="Source Sans Pro Bold"/>
-              </a:rPr>
-              <a:t>                          </a:t>
-            </a:r>
-            <a:r>
-              <a:rPr kumimoji="0" lang="nb-NO" sz="1000" b="0" i="0" u="none" strike="noStrike" cap="none" spc="0" normalizeH="0" baseline="0" dirty="0" err="1">
-                <a:ln>
-                  <a:noFill/>
-                </a:ln>
-                <a:solidFill>
-                  <a:srgbClr val="4C4C4C"/>
-                </a:solidFill>
-                <a:effectLst/>
-                <a:uFillTx/>
-                <a:latin typeface="Source Sans Pro Bold"/>
-                <a:ea typeface="Source Sans Pro Bold"/>
-                <a:cs typeface="Source Sans Pro Bold"/>
-                <a:sym typeface="Source Sans Pro Bold"/>
-              </a:rPr>
-              <a:t>rt</a:t>
-            </a:r>
-            <a:r>
-              <a:rPr kumimoji="0" lang="nb-NO" sz="1000" b="0" i="0" u="none" strike="noStrike" cap="none" spc="0" normalizeH="0" baseline="0" dirty="0">
-                <a:ln>
-                  <a:noFill/>
-                </a:ln>
-                <a:solidFill>
-                  <a:srgbClr val="4C4C4C"/>
-                </a:solidFill>
-                <a:effectLst/>
-                <a:uFillTx/>
-                <a:latin typeface="Source Sans Pro Bold"/>
-                <a:ea typeface="Source Sans Pro Bold"/>
-                <a:cs typeface="Source Sans Pro Bold"/>
-                <a:sym typeface="Source Sans Pro Bold"/>
-              </a:rPr>
-              <a:t> = "</a:t>
-            </a:r>
-            <a:r>
-              <a:rPr kumimoji="0" lang="nb-NO" sz="1000" b="0" i="0" u="none" strike="noStrike" cap="none" spc="0" normalizeH="0" baseline="0" dirty="0" err="1">
-                <a:ln>
-                  <a:noFill/>
-                </a:ln>
-                <a:solidFill>
-                  <a:srgbClr val="4C4C4C"/>
-                </a:solidFill>
-                <a:effectLst/>
-                <a:uFillTx/>
-                <a:latin typeface="Source Sans Pro Bold"/>
-                <a:ea typeface="Source Sans Pro Bold"/>
-                <a:cs typeface="Source Sans Pro Bold"/>
-                <a:sym typeface="Source Sans Pro Bold"/>
-              </a:rPr>
-              <a:t>rt</a:t>
-            </a:r>
-            <a:r>
-              <a:rPr kumimoji="0" lang="nb-NO" sz="1000" b="0" i="0" u="none" strike="noStrike" cap="none" spc="0" normalizeH="0" baseline="0" dirty="0">
-                <a:ln>
-                  <a:noFill/>
-                </a:ln>
-                <a:solidFill>
-                  <a:srgbClr val="4C4C4C"/>
-                </a:solidFill>
-                <a:effectLst/>
-                <a:uFillTx/>
-                <a:latin typeface="Source Sans Pro Bold"/>
-                <a:ea typeface="Source Sans Pro Bold"/>
-                <a:cs typeface="Source Sans Pro Bold"/>
-                <a:sym typeface="Source Sans Pro Bold"/>
-              </a:rPr>
-              <a:t>",</a:t>
-            </a:r>
-          </a:p>
-          <a:p>
-            <a:pPr marL="0" marR="0" indent="0" algn="l" defTabSz="584200" rtl="0" fontAlgn="auto" latinLnBrk="0" hangingPunct="0">
-              <a:lnSpc>
-                <a:spcPct val="100000"/>
-              </a:lnSpc>
-              <a:spcBef>
-                <a:spcPts val="200"/>
-              </a:spcBef>
-              <a:spcAft>
-                <a:spcPts val="0"/>
-              </a:spcAft>
-              <a:buClrTx/>
-              <a:buSzTx/>
-              <a:buFontTx/>
-              <a:buNone/>
-              <a:tabLst/>
-            </a:pPr>
-            <a:r>
-              <a:rPr kumimoji="0" lang="nb-NO" sz="1000" b="0" i="0" u="none" strike="noStrike" cap="none" spc="0" normalizeH="0" baseline="0" dirty="0">
-                <a:ln>
-                  <a:noFill/>
-                </a:ln>
-                <a:solidFill>
-                  <a:srgbClr val="4C4C4C"/>
-                </a:solidFill>
-                <a:effectLst/>
-                <a:uFillTx/>
-                <a:latin typeface="Source Sans Pro Bold"/>
-                <a:ea typeface="Source Sans Pro Bold"/>
-                <a:cs typeface="Source Sans Pro Bold"/>
-                <a:sym typeface="Source Sans Pro Bold"/>
-              </a:rPr>
-              <a:t>                          </a:t>
-            </a:r>
-            <a:r>
-              <a:rPr kumimoji="0" lang="nb-NO" sz="1000" b="0" i="0" u="none" strike="noStrike" cap="none" spc="0" normalizeH="0" baseline="0" dirty="0" err="1">
-                <a:ln>
-                  <a:noFill/>
-                </a:ln>
-                <a:solidFill>
-                  <a:srgbClr val="4C4C4C"/>
-                </a:solidFill>
-                <a:effectLst/>
-                <a:uFillTx/>
-                <a:latin typeface="Source Sans Pro Bold"/>
-                <a:ea typeface="Source Sans Pro Bold"/>
-                <a:cs typeface="Source Sans Pro Bold"/>
-                <a:sym typeface="Source Sans Pro Bold"/>
-              </a:rPr>
-              <a:t>workerID</a:t>
-            </a:r>
-            <a:r>
-              <a:rPr kumimoji="0" lang="nb-NO" sz="1000" b="0" i="0" u="none" strike="noStrike" cap="none" spc="0" normalizeH="0" baseline="0" dirty="0">
-                <a:ln>
-                  <a:noFill/>
-                </a:ln>
-                <a:solidFill>
-                  <a:srgbClr val="4C4C4C"/>
-                </a:solidFill>
-                <a:effectLst/>
-                <a:uFillTx/>
-                <a:latin typeface="Source Sans Pro Bold"/>
-                <a:ea typeface="Source Sans Pro Bold"/>
-                <a:cs typeface="Source Sans Pro Bold"/>
-                <a:sym typeface="Source Sans Pro Bold"/>
-              </a:rPr>
-              <a:t> = "</a:t>
-            </a:r>
-            <a:r>
-              <a:rPr kumimoji="0" lang="nb-NO" sz="1000" b="0" i="0" u="none" strike="noStrike" cap="none" spc="0" normalizeH="0" baseline="0" dirty="0" err="1">
-                <a:ln>
-                  <a:noFill/>
-                </a:ln>
-                <a:solidFill>
-                  <a:srgbClr val="4C4C4C"/>
-                </a:solidFill>
-                <a:effectLst/>
-                <a:uFillTx/>
-                <a:latin typeface="Source Sans Pro Bold"/>
-                <a:ea typeface="Source Sans Pro Bold"/>
-                <a:cs typeface="Source Sans Pro Bold"/>
-                <a:sym typeface="Source Sans Pro Bold"/>
-              </a:rPr>
-              <a:t>workerID</a:t>
-            </a:r>
-            <a:r>
-              <a:rPr kumimoji="0" lang="nb-NO" sz="1000" b="0" i="0" u="none" strike="noStrike" cap="none" spc="0" normalizeH="0" baseline="0" dirty="0">
-                <a:ln>
-                  <a:noFill/>
-                </a:ln>
-                <a:solidFill>
-                  <a:srgbClr val="4C4C4C"/>
-                </a:solidFill>
-                <a:effectLst/>
-                <a:uFillTx/>
-                <a:latin typeface="Source Sans Pro Bold"/>
-                <a:ea typeface="Source Sans Pro Bold"/>
-                <a:cs typeface="Source Sans Pro Bold"/>
-                <a:sym typeface="Source Sans Pro Bold"/>
-              </a:rPr>
-              <a:t>",</a:t>
-            </a:r>
-          </a:p>
-          <a:p>
-            <a:pPr marL="0" marR="0" indent="0" algn="l" defTabSz="584200" rtl="0" fontAlgn="auto" latinLnBrk="0" hangingPunct="0">
-              <a:lnSpc>
-                <a:spcPct val="100000"/>
-              </a:lnSpc>
-              <a:spcBef>
-                <a:spcPts val="200"/>
-              </a:spcBef>
-              <a:spcAft>
-                <a:spcPts val="0"/>
-              </a:spcAft>
-              <a:buClrTx/>
-              <a:buSzTx/>
-              <a:buFontTx/>
-              <a:buNone/>
-              <a:tabLst/>
-            </a:pPr>
-            <a:r>
-              <a:rPr kumimoji="0" lang="nb-NO" sz="1000" b="0" i="0" u="none" strike="noStrike" cap="none" spc="0" normalizeH="0" baseline="0" dirty="0">
-                <a:ln>
-                  <a:noFill/>
-                </a:ln>
-                <a:solidFill>
-                  <a:srgbClr val="4C4C4C"/>
-                </a:solidFill>
-                <a:effectLst/>
-                <a:uFillTx/>
-                <a:latin typeface="Source Sans Pro Bold"/>
-                <a:ea typeface="Source Sans Pro Bold"/>
-                <a:cs typeface="Source Sans Pro Bold"/>
-                <a:sym typeface="Source Sans Pro Bold"/>
-              </a:rPr>
-              <a:t>                          </a:t>
-            </a:r>
-            <a:r>
-              <a:rPr kumimoji="0" lang="nb-NO" sz="1000" b="0" i="0" u="none" strike="noStrike" cap="none" spc="0" normalizeH="0" baseline="0" dirty="0" err="1">
-                <a:ln>
-                  <a:noFill/>
-                </a:ln>
-                <a:solidFill>
-                  <a:srgbClr val="4C4C4C"/>
-                </a:solidFill>
-                <a:effectLst/>
-                <a:uFillTx/>
-                <a:latin typeface="Source Sans Pro Bold"/>
-                <a:ea typeface="Source Sans Pro Bold"/>
-                <a:cs typeface="Source Sans Pro Bold"/>
-                <a:sym typeface="Source Sans Pro Bold"/>
-              </a:rPr>
-              <a:t>minRT</a:t>
-            </a:r>
-            <a:r>
-              <a:rPr kumimoji="0" lang="nb-NO" sz="1000" b="0" i="0" u="none" strike="noStrike" cap="none" spc="0" normalizeH="0" baseline="0" dirty="0">
-                <a:ln>
-                  <a:noFill/>
-                </a:ln>
-                <a:solidFill>
-                  <a:srgbClr val="4C4C4C"/>
-                </a:solidFill>
-                <a:effectLst/>
-                <a:uFillTx/>
-                <a:latin typeface="Source Sans Pro Bold"/>
-                <a:ea typeface="Source Sans Pro Bold"/>
-                <a:cs typeface="Source Sans Pro Bold"/>
-                <a:sym typeface="Source Sans Pro Bold"/>
-              </a:rPr>
-              <a:t> = 500,</a:t>
-            </a:r>
-          </a:p>
-          <a:p>
-            <a:pPr marL="0" marR="0" indent="0" algn="l" defTabSz="584200" rtl="0" fontAlgn="auto" latinLnBrk="0" hangingPunct="0">
-              <a:lnSpc>
-                <a:spcPct val="100000"/>
-              </a:lnSpc>
-              <a:spcBef>
-                <a:spcPts val="200"/>
-              </a:spcBef>
-              <a:spcAft>
-                <a:spcPts val="0"/>
-              </a:spcAft>
-              <a:buClrTx/>
-              <a:buSzTx/>
-              <a:buFontTx/>
-              <a:buNone/>
-              <a:tabLst/>
-            </a:pPr>
-            <a:r>
-              <a:rPr kumimoji="0" lang="nb-NO" sz="1000" b="0" i="0" u="none" strike="noStrike" cap="none" spc="0" normalizeH="0" baseline="0" dirty="0">
-                <a:ln>
-                  <a:noFill/>
-                </a:ln>
-                <a:solidFill>
-                  <a:srgbClr val="4C4C4C"/>
-                </a:solidFill>
-                <a:effectLst/>
-                <a:uFillTx/>
-                <a:latin typeface="Source Sans Pro Bold"/>
-                <a:ea typeface="Source Sans Pro Bold"/>
-                <a:cs typeface="Source Sans Pro Bold"/>
-                <a:sym typeface="Source Sans Pro Bold"/>
-              </a:rPr>
-              <a:t>                          </a:t>
-            </a:r>
-            <a:r>
-              <a:rPr kumimoji="0" lang="nb-NO" sz="1000" b="0" i="0" u="none" strike="noStrike" cap="none" spc="0" normalizeH="0" baseline="0" dirty="0" err="1">
-                <a:ln>
-                  <a:noFill/>
-                </a:ln>
-                <a:solidFill>
-                  <a:srgbClr val="4C4C4C"/>
-                </a:solidFill>
-                <a:effectLst/>
-                <a:uFillTx/>
-                <a:latin typeface="Source Sans Pro Bold"/>
-                <a:ea typeface="Source Sans Pro Bold"/>
-                <a:cs typeface="Source Sans Pro Bold"/>
-                <a:sym typeface="Source Sans Pro Bold"/>
-              </a:rPr>
-              <a:t>maxRT</a:t>
-            </a:r>
-            <a:r>
-              <a:rPr kumimoji="0" lang="nb-NO" sz="1000" b="0" i="0" u="none" strike="noStrike" cap="none" spc="0" normalizeH="0" baseline="0" dirty="0">
-                <a:ln>
-                  <a:noFill/>
-                </a:ln>
-                <a:solidFill>
-                  <a:srgbClr val="4C4C4C"/>
-                </a:solidFill>
-                <a:effectLst/>
-                <a:uFillTx/>
-                <a:latin typeface="Source Sans Pro Bold"/>
-                <a:ea typeface="Source Sans Pro Bold"/>
-                <a:cs typeface="Source Sans Pro Bold"/>
-                <a:sym typeface="Source Sans Pro Bold"/>
-              </a:rPr>
-              <a:t> = Inf,</a:t>
-            </a:r>
-          </a:p>
-          <a:p>
-            <a:pPr marL="0" marR="0" indent="0" algn="l" defTabSz="584200" rtl="0" fontAlgn="auto" latinLnBrk="0" hangingPunct="0">
-              <a:lnSpc>
-                <a:spcPct val="100000"/>
-              </a:lnSpc>
-              <a:spcBef>
-                <a:spcPts val="200"/>
-              </a:spcBef>
-              <a:spcAft>
-                <a:spcPts val="0"/>
-              </a:spcAft>
-              <a:buClrTx/>
-              <a:buSzTx/>
-              <a:buFontTx/>
-              <a:buNone/>
-              <a:tabLst/>
-            </a:pPr>
-            <a:r>
-              <a:rPr kumimoji="0" lang="nb-NO" sz="1000" b="0" i="0" u="none" strike="noStrike" cap="none" spc="0" normalizeH="0" baseline="0" dirty="0">
-                <a:ln>
-                  <a:noFill/>
-                </a:ln>
-                <a:solidFill>
-                  <a:srgbClr val="4C4C4C"/>
-                </a:solidFill>
-                <a:effectLst/>
-                <a:uFillTx/>
-                <a:latin typeface="Source Sans Pro Bold"/>
-                <a:ea typeface="Source Sans Pro Bold"/>
-                <a:cs typeface="Source Sans Pro Bold"/>
-                <a:sym typeface="Source Sans Pro Bold"/>
-              </a:rPr>
-              <a:t>                          </a:t>
-            </a:r>
-            <a:r>
-              <a:rPr kumimoji="0" lang="nb-NO" sz="1000" b="0" i="0" u="none" strike="noStrike" cap="none" spc="0" normalizeH="0" baseline="0" dirty="0" err="1">
-                <a:ln>
-                  <a:noFill/>
-                </a:ln>
-                <a:solidFill>
-                  <a:srgbClr val="4C4C4C"/>
-                </a:solidFill>
-                <a:effectLst/>
-                <a:uFillTx/>
-                <a:latin typeface="Source Sans Pro Bold"/>
-                <a:ea typeface="Source Sans Pro Bold"/>
-                <a:cs typeface="Source Sans Pro Bold"/>
-                <a:sym typeface="Source Sans Pro Bold"/>
-              </a:rPr>
-              <a:t>minCor</a:t>
-            </a:r>
-            <a:r>
-              <a:rPr kumimoji="0" lang="nb-NO" sz="1000" b="0" i="0" u="none" strike="noStrike" cap="none" spc="0" normalizeH="0" baseline="0" dirty="0">
-                <a:ln>
-                  <a:noFill/>
-                </a:ln>
-                <a:solidFill>
-                  <a:srgbClr val="4C4C4C"/>
-                </a:solidFill>
-                <a:effectLst/>
-                <a:uFillTx/>
-                <a:latin typeface="Source Sans Pro Bold"/>
-                <a:ea typeface="Source Sans Pro Bold"/>
-                <a:cs typeface="Source Sans Pro Bold"/>
-                <a:sym typeface="Source Sans Pro Bold"/>
-              </a:rPr>
-              <a:t> = 0.3,</a:t>
-            </a:r>
-          </a:p>
-          <a:p>
-            <a:pPr marL="0" marR="0" indent="0" algn="l" defTabSz="584200" rtl="0" fontAlgn="auto" latinLnBrk="0" hangingPunct="0">
-              <a:lnSpc>
-                <a:spcPct val="100000"/>
-              </a:lnSpc>
-              <a:spcBef>
-                <a:spcPts val="200"/>
-              </a:spcBef>
-              <a:spcAft>
-                <a:spcPts val="0"/>
-              </a:spcAft>
-              <a:buClrTx/>
-              <a:buSzTx/>
-              <a:buFontTx/>
-              <a:buNone/>
-              <a:tabLst/>
-            </a:pPr>
-            <a:r>
-              <a:rPr kumimoji="0" lang="nb-NO" sz="1000" b="0" i="0" u="none" strike="noStrike" cap="none" spc="0" normalizeH="0" baseline="0" dirty="0">
-                <a:ln>
-                  <a:noFill/>
-                </a:ln>
-                <a:solidFill>
-                  <a:srgbClr val="4C4C4C"/>
-                </a:solidFill>
-                <a:effectLst/>
-                <a:uFillTx/>
-                <a:latin typeface="Source Sans Pro Bold"/>
-                <a:ea typeface="Source Sans Pro Bold"/>
-                <a:cs typeface="Source Sans Pro Bold"/>
-                <a:sym typeface="Source Sans Pro Bold"/>
-              </a:rPr>
-              <a:t>                          </a:t>
-            </a:r>
-            <a:r>
-              <a:rPr kumimoji="0" lang="nb-NO" sz="1000" b="0" i="0" u="none" strike="noStrike" cap="none" spc="0" normalizeH="0" baseline="0" dirty="0" err="1">
-                <a:ln>
-                  <a:noFill/>
-                </a:ln>
-                <a:solidFill>
-                  <a:srgbClr val="4C4C4C"/>
-                </a:solidFill>
-                <a:effectLst/>
-                <a:uFillTx/>
-                <a:latin typeface="Source Sans Pro Bold"/>
-                <a:ea typeface="Source Sans Pro Bold"/>
-                <a:cs typeface="Source Sans Pro Bold"/>
-                <a:sym typeface="Source Sans Pro Bold"/>
-              </a:rPr>
-              <a:t>iqrFactor</a:t>
-            </a:r>
-            <a:r>
-              <a:rPr kumimoji="0" lang="nb-NO" sz="1000" b="0" i="0" u="none" strike="noStrike" cap="none" spc="0" normalizeH="0" baseline="0" dirty="0">
-                <a:ln>
-                  <a:noFill/>
-                </a:ln>
-                <a:solidFill>
-                  <a:srgbClr val="4C4C4C"/>
-                </a:solidFill>
-                <a:effectLst/>
-                <a:uFillTx/>
-                <a:latin typeface="Source Sans Pro Bold"/>
-                <a:ea typeface="Source Sans Pro Bold"/>
-                <a:cs typeface="Source Sans Pro Bold"/>
-                <a:sym typeface="Source Sans Pro Bold"/>
-              </a:rPr>
-              <a:t> = 4,</a:t>
-            </a:r>
-          </a:p>
-          <a:p>
-            <a:pPr marL="0" marR="0" indent="0" algn="l" defTabSz="584200" rtl="0" fontAlgn="auto" latinLnBrk="0" hangingPunct="0">
-              <a:lnSpc>
-                <a:spcPct val="100000"/>
-              </a:lnSpc>
-              <a:spcBef>
-                <a:spcPts val="200"/>
-              </a:spcBef>
-              <a:spcAft>
-                <a:spcPts val="0"/>
-              </a:spcAft>
-              <a:buClrTx/>
-              <a:buSzTx/>
-              <a:buFontTx/>
-              <a:buNone/>
-              <a:tabLst/>
-            </a:pPr>
-            <a:r>
-              <a:rPr kumimoji="0" lang="nb-NO" sz="1000" b="0" i="0" u="none" strike="noStrike" cap="none" spc="0" normalizeH="0" baseline="0" dirty="0">
-                <a:ln>
-                  <a:noFill/>
-                </a:ln>
-                <a:solidFill>
-                  <a:srgbClr val="4C4C4C"/>
-                </a:solidFill>
-                <a:effectLst/>
-                <a:uFillTx/>
-                <a:latin typeface="Source Sans Pro Bold"/>
-                <a:ea typeface="Source Sans Pro Bold"/>
-                <a:cs typeface="Source Sans Pro Bold"/>
-                <a:sym typeface="Source Sans Pro Bold"/>
-              </a:rPr>
-              <a:t>                          </a:t>
-            </a:r>
-            <a:r>
-              <a:rPr kumimoji="0" lang="nb-NO" sz="1000" b="0" i="0" u="none" strike="noStrike" cap="none" spc="0" normalizeH="0" baseline="0" dirty="0" err="1">
-                <a:ln>
-                  <a:noFill/>
-                </a:ln>
-                <a:solidFill>
-                  <a:srgbClr val="4C4C4C"/>
-                </a:solidFill>
-                <a:effectLst/>
-                <a:uFillTx/>
-                <a:latin typeface="Source Sans Pro Bold"/>
-                <a:ea typeface="Source Sans Pro Bold"/>
-                <a:cs typeface="Source Sans Pro Bold"/>
-                <a:sym typeface="Source Sans Pro Bold"/>
-              </a:rPr>
-              <a:t>printSummary</a:t>
-            </a:r>
-            <a:r>
-              <a:rPr kumimoji="0" lang="nb-NO" sz="1000" b="0" i="0" u="none" strike="noStrike" cap="none" spc="0" normalizeH="0" baseline="0" dirty="0">
-                <a:ln>
-                  <a:noFill/>
-                </a:ln>
-                <a:solidFill>
-                  <a:srgbClr val="4C4C4C"/>
-                </a:solidFill>
-                <a:effectLst/>
-                <a:uFillTx/>
-                <a:latin typeface="Source Sans Pro Bold"/>
-                <a:ea typeface="Source Sans Pro Bold"/>
-                <a:cs typeface="Source Sans Pro Bold"/>
-                <a:sym typeface="Source Sans Pro Bold"/>
-              </a:rPr>
-              <a:t> = TRUE,</a:t>
-            </a:r>
-          </a:p>
-          <a:p>
-            <a:pPr marL="0" marR="0" indent="0" algn="l" defTabSz="584200" rtl="0" fontAlgn="auto" latinLnBrk="0" hangingPunct="0">
-              <a:lnSpc>
-                <a:spcPct val="100000"/>
-              </a:lnSpc>
-              <a:spcBef>
-                <a:spcPts val="200"/>
-              </a:spcBef>
-              <a:spcAft>
-                <a:spcPts val="0"/>
-              </a:spcAft>
-              <a:buClrTx/>
-              <a:buSzTx/>
-              <a:buFontTx/>
-              <a:buNone/>
-              <a:tabLst/>
-            </a:pPr>
-            <a:r>
-              <a:rPr kumimoji="0" lang="nb-NO" sz="1000" b="0" i="0" u="none" strike="noStrike" cap="none" spc="0" normalizeH="0" baseline="0" dirty="0">
-                <a:ln>
-                  <a:noFill/>
-                </a:ln>
-                <a:solidFill>
-                  <a:srgbClr val="4C4C4C"/>
-                </a:solidFill>
-                <a:effectLst/>
-                <a:uFillTx/>
-                <a:latin typeface="Source Sans Pro Bold"/>
-                <a:ea typeface="Source Sans Pro Bold"/>
-                <a:cs typeface="Source Sans Pro Bold"/>
-                <a:sym typeface="Source Sans Pro Bold"/>
-              </a:rPr>
-              <a:t>                          </a:t>
-            </a:r>
-            <a:r>
-              <a:rPr kumimoji="0" lang="nb-NO" sz="1000" b="0" i="0" u="none" strike="noStrike" cap="none" spc="0" normalizeH="0" baseline="0" dirty="0" err="1">
-                <a:ln>
-                  <a:noFill/>
-                </a:ln>
-                <a:solidFill>
-                  <a:srgbClr val="4C4C4C"/>
-                </a:solidFill>
-                <a:effectLst/>
-                <a:uFillTx/>
-                <a:latin typeface="Source Sans Pro Bold"/>
-                <a:ea typeface="Source Sans Pro Bold"/>
-                <a:cs typeface="Source Sans Pro Bold"/>
-                <a:sym typeface="Source Sans Pro Bold"/>
-              </a:rPr>
-              <a:t>plotOutliers</a:t>
-            </a:r>
-            <a:r>
-              <a:rPr kumimoji="0" lang="nb-NO" sz="1000" b="0" i="0" u="none" strike="noStrike" cap="none" spc="0" normalizeH="0" baseline="0" dirty="0">
-                <a:ln>
-                  <a:noFill/>
-                </a:ln>
-                <a:solidFill>
-                  <a:srgbClr val="4C4C4C"/>
-                </a:solidFill>
-                <a:effectLst/>
-                <a:uFillTx/>
-                <a:latin typeface="Source Sans Pro Bold"/>
-                <a:ea typeface="Source Sans Pro Bold"/>
-                <a:cs typeface="Source Sans Pro Bold"/>
-                <a:sym typeface="Source Sans Pro Bold"/>
-              </a:rPr>
-              <a:t> = TRUE,</a:t>
-            </a:r>
-          </a:p>
-          <a:p>
-            <a:pPr marL="0" marR="0" indent="0" algn="l" defTabSz="584200" rtl="0" fontAlgn="auto" latinLnBrk="0" hangingPunct="0">
-              <a:lnSpc>
-                <a:spcPct val="100000"/>
-              </a:lnSpc>
-              <a:spcBef>
-                <a:spcPts val="200"/>
-              </a:spcBef>
-              <a:spcAft>
-                <a:spcPts val="0"/>
-              </a:spcAft>
-              <a:buClrTx/>
-              <a:buSzTx/>
-              <a:buFontTx/>
-              <a:buNone/>
-              <a:tabLst/>
-            </a:pPr>
-            <a:r>
-              <a:rPr kumimoji="0" lang="nb-NO" sz="1000" b="0" i="0" u="none" strike="noStrike" cap="none" spc="0" normalizeH="0" baseline="0" dirty="0">
-                <a:ln>
-                  <a:noFill/>
-                </a:ln>
-                <a:solidFill>
-                  <a:srgbClr val="4C4C4C"/>
-                </a:solidFill>
-                <a:effectLst/>
-                <a:uFillTx/>
-                <a:latin typeface="Source Sans Pro Bold"/>
-                <a:ea typeface="Source Sans Pro Bold"/>
-                <a:cs typeface="Source Sans Pro Bold"/>
-                <a:sym typeface="Source Sans Pro Bold"/>
-              </a:rPr>
-              <a:t>                          </a:t>
-            </a:r>
-            <a:r>
-              <a:rPr kumimoji="0" lang="nb-NO" sz="1000" b="0" i="0" u="none" strike="noStrike" cap="none" spc="0" normalizeH="0" baseline="0" dirty="0" err="1">
-                <a:ln>
-                  <a:noFill/>
-                </a:ln>
-                <a:solidFill>
-                  <a:srgbClr val="4C4C4C"/>
-                </a:solidFill>
-                <a:effectLst/>
-                <a:uFillTx/>
-                <a:latin typeface="Source Sans Pro Bold"/>
-                <a:ea typeface="Source Sans Pro Bold"/>
-                <a:cs typeface="Source Sans Pro Bold"/>
-                <a:sym typeface="Source Sans Pro Bold"/>
-              </a:rPr>
-              <a:t>positionOutliers</a:t>
-            </a:r>
-            <a:r>
-              <a:rPr kumimoji="0" lang="nb-NO" sz="1000" b="0" i="0" u="none" strike="noStrike" cap="none" spc="0" normalizeH="0" baseline="0" dirty="0">
-                <a:ln>
-                  <a:noFill/>
-                </a:ln>
-                <a:solidFill>
-                  <a:srgbClr val="4C4C4C"/>
-                </a:solidFill>
-                <a:effectLst/>
-                <a:uFillTx/>
-                <a:latin typeface="Source Sans Pro Bold"/>
-                <a:ea typeface="Source Sans Pro Bold"/>
-                <a:cs typeface="Source Sans Pro Bold"/>
-                <a:sym typeface="Source Sans Pro Bold"/>
-              </a:rPr>
-              <a:t> = "</a:t>
-            </a:r>
-            <a:r>
-              <a:rPr kumimoji="0" lang="nb-NO" sz="1000" b="0" i="0" u="none" strike="noStrike" cap="none" spc="0" normalizeH="0" baseline="0" dirty="0" err="1">
-                <a:ln>
-                  <a:noFill/>
-                </a:ln>
-                <a:solidFill>
-                  <a:srgbClr val="4C4C4C"/>
-                </a:solidFill>
-                <a:effectLst/>
-                <a:uFillTx/>
-                <a:latin typeface="Source Sans Pro Bold"/>
-                <a:ea typeface="Source Sans Pro Bold"/>
-                <a:cs typeface="Source Sans Pro Bold"/>
-                <a:sym typeface="Source Sans Pro Bold"/>
-              </a:rPr>
-              <a:t>remove</a:t>
-            </a:r>
-            <a:r>
-              <a:rPr kumimoji="0" lang="nb-NO" sz="1000" b="0" i="0" u="none" strike="noStrike" cap="none" spc="0" normalizeH="0" baseline="0" dirty="0">
-                <a:ln>
-                  <a:noFill/>
-                </a:ln>
-                <a:solidFill>
-                  <a:srgbClr val="4C4C4C"/>
-                </a:solidFill>
-                <a:effectLst/>
-                <a:uFillTx/>
-                <a:latin typeface="Source Sans Pro Bold"/>
-                <a:ea typeface="Source Sans Pro Bold"/>
-                <a:cs typeface="Source Sans Pro Bold"/>
-                <a:sym typeface="Source Sans Pro Bold"/>
-              </a:rPr>
-              <a:t>"</a:t>
-            </a:r>
-            <a:br>
-              <a:rPr kumimoji="0" lang="nb-NO" sz="1000" b="0" i="0" u="none" strike="noStrike" cap="none" spc="0" normalizeH="0" baseline="0" dirty="0">
-                <a:ln>
-                  <a:noFill/>
-                </a:ln>
-                <a:solidFill>
-                  <a:srgbClr val="4C4C4C"/>
-                </a:solidFill>
-                <a:effectLst/>
-                <a:uFillTx/>
-                <a:latin typeface="Source Sans Pro Bold"/>
-                <a:ea typeface="Source Sans Pro Bold"/>
-                <a:cs typeface="Source Sans Pro Bold"/>
-                <a:sym typeface="Source Sans Pro Bold"/>
-              </a:rPr>
-            </a:br>
-            <a:r>
-              <a:rPr kumimoji="0" lang="nb-NO" sz="1000" b="0" i="0" u="none" strike="noStrike" cap="none" spc="0" normalizeH="0" baseline="0" dirty="0">
-                <a:ln>
-                  <a:noFill/>
-                </a:ln>
-                <a:solidFill>
-                  <a:srgbClr val="4C4C4C"/>
-                </a:solidFill>
-                <a:effectLst/>
-                <a:uFillTx/>
-                <a:latin typeface="Source Sans Pro Bold"/>
-                <a:ea typeface="Source Sans Pro Bold"/>
-                <a:cs typeface="Source Sans Pro Bold"/>
-                <a:sym typeface="Source Sans Pro Bold"/>
-              </a:rPr>
-              <a:t>                          )</a:t>
-            </a:r>
-          </a:p>
-        </p:txBody>
-      </p:sp>
-      <p:sp>
-        <p:nvSpPr>
-          <p:cNvPr id="21" name="GRAPHICAL PRIMITIVES">
-            <a:extLst>
-              <a:ext uri="{FF2B5EF4-FFF2-40B4-BE49-F238E27FC236}">
-                <a16:creationId xmlns:a16="http://schemas.microsoft.com/office/drawing/2014/main" id="{BBFD72C5-3ADE-A046-75A5-1329925BBFDD}"/>
-              </a:ext>
-            </a:extLst>
-          </p:cNvPr>
-          <p:cNvSpPr txBox="1"/>
-          <p:nvPr/>
-        </p:nvSpPr>
-        <p:spPr>
-          <a:xfrm>
-            <a:off x="10262692" y="1700313"/>
-            <a:ext cx="1117294" cy="210314"/>
-          </a:xfrm>
-          <a:prstGeom prst="rect">
+          <a:prstGeom prst="line">
             <a:avLst/>
           </a:prstGeom>
           <a:ln w="12700">
-            <a:miter lim="400000"/>
+            <a:solidFill>
+              <a:srgbClr val="79ABDB"/>
+            </a:solidFill>
+            <a:custDash>
+              <a:ds d="100000" sp="200000"/>
+            </a:custDash>
           </a:ln>
-          <a:extLst>
-            <a:ext uri="{C572A759-6A51-4108-AA02-DFA0A04FC94B}">
-              <ma14:wrappingTextBoxFlag xmlns:ma14="http://schemas.microsoft.com/office/mac/drawingml/2011/main" xmlns:a14="http://schemas.microsoft.com/office/drawing/2010/main" xmlns:m="http://schemas.openxmlformats.org/officeDocument/2006/math" xmlns="" val="1"/>
-            </a:ext>
-          </a:extLst>
         </p:spPr>
         <p:txBody>
-          <a:bodyPr wrap="none" lIns="12700" tIns="12700" rIns="12700" bIns="12700" anchor="ctr">
-            <a:spAutoFit/>
-          </a:bodyPr>
+          <a:bodyPr lIns="54570" tIns="54570" rIns="54570" bIns="54570" anchor="ctr"/>
           <a:lstStyle/>
           <a:p>
-            <a:pPr lvl="1" indent="0"/>
-            <a:r>
-              <a:rPr lang="nb-NO" dirty="0" err="1"/>
-              <a:t>removeOutliers</a:t>
-            </a:r>
-            <a:r>
-              <a:rPr lang="nb-NO" dirty="0"/>
-              <a:t>()</a:t>
-            </a:r>
-            <a:endParaRPr dirty="0"/>
-          </a:p>
-        </p:txBody>
-      </p:sp>
-      <p:sp>
-        <p:nvSpPr>
-          <p:cNvPr id="22" name="TekstSylinder 21">
-            <a:extLst>
-              <a:ext uri="{FF2B5EF4-FFF2-40B4-BE49-F238E27FC236}">
-                <a16:creationId xmlns:a16="http://schemas.microsoft.com/office/drawing/2014/main" id="{74789458-ACE0-82E7-EB15-32B219F241B8}"/>
-              </a:ext>
-            </a:extLst>
-          </p:cNvPr>
-          <p:cNvSpPr txBox="1"/>
-          <p:nvPr/>
-        </p:nvSpPr>
-        <p:spPr>
-          <a:xfrm>
-            <a:off x="10224239" y="4939965"/>
-            <a:ext cx="3717058" cy="2952009"/>
-          </a:xfrm>
-          <a:prstGeom prst="rect">
-            <a:avLst/>
-          </a:prstGeom>
-          <a:noFill/>
-          <a:ln w="12700" cap="flat">
-            <a:noFill/>
-            <a:miter lim="400000"/>
-          </a:ln>
-          <a:effectLst/>
-          <a:sp3d/>
-        </p:spPr>
-        <p:style>
-          <a:lnRef idx="0">
-            <a:scrgbClr r="0" g="0" b="0"/>
-          </a:lnRef>
-          <a:fillRef idx="0">
-            <a:scrgbClr r="0" g="0" b="0"/>
-          </a:fillRef>
-          <a:effectRef idx="0">
-            <a:scrgbClr r="0" g="0" b="0"/>
-          </a:effectRef>
-          <a:fontRef idx="none"/>
-        </p:style>
-        <p:txBody>
-          <a:bodyPr rot="0" spcFirstLastPara="1" vertOverflow="overflow" horzOverflow="overflow" vert="horz" wrap="square" lIns="54570" tIns="54570" rIns="54570" bIns="54570" numCol="1" spcCol="38100" rtlCol="0" anchor="ctr">
-            <a:spAutoFit/>
-          </a:bodyPr>
-          <a:lstStyle/>
-          <a:p>
-            <a:pPr marL="0" marR="0" indent="0" algn="l" defTabSz="584200" rtl="0" fontAlgn="auto" latinLnBrk="0" hangingPunct="0">
+            <a:pPr>
               <a:lnSpc>
-                <a:spcPct val="100000"/>
+                <a:spcPct val="80000"/>
               </a:lnSpc>
               <a:spcBef>
-                <a:spcPts val="200"/>
+                <a:spcPts val="600"/>
               </a:spcBef>
-              <a:spcAft>
-                <a:spcPts val="0"/>
-              </a:spcAft>
-              <a:buClrTx/>
-              <a:buSzTx/>
-              <a:buFontTx/>
-              <a:buNone/>
-              <a:tabLst/>
+              <a:defRPr>
+                <a:solidFill>
+                  <a:srgbClr val="000000"/>
+                </a:solidFill>
+                <a:latin typeface="Source Sans Pro Regular"/>
+                <a:ea typeface="Source Sans Pro Regular"/>
+                <a:cs typeface="Source Sans Pro Regular"/>
+                <a:sym typeface="Source Sans Pro Regular"/>
+              </a:defRPr>
             </a:pPr>
-            <a:r>
-              <a:rPr kumimoji="0" lang="nb-NO" sz="900" b="1" i="0" u="none" strike="noStrike" cap="none" spc="0" normalizeH="0" baseline="0" dirty="0">
-                <a:ln>
-                  <a:noFill/>
-                </a:ln>
-                <a:solidFill>
-                  <a:srgbClr val="4C4C4C"/>
-                </a:solidFill>
-                <a:effectLst/>
-                <a:uFillTx/>
-                <a:latin typeface="Source Sans Pro Bold"/>
-                <a:ea typeface="Source Sans Pro Bold"/>
-                <a:cs typeface="Source Sans Pro Bold"/>
-                <a:sym typeface="Source Sans Pro Bold"/>
-              </a:rPr>
-              <a:t>Parameters</a:t>
-            </a:r>
-            <a:br>
-              <a:rPr kumimoji="0" lang="nb-NO" sz="900" b="0" i="0" u="none" strike="noStrike" cap="none" spc="0" normalizeH="0" baseline="0" dirty="0">
-                <a:ln>
-                  <a:noFill/>
-                </a:ln>
-                <a:solidFill>
-                  <a:srgbClr val="4C4C4C"/>
-                </a:solidFill>
-                <a:effectLst/>
-                <a:uFillTx/>
-                <a:latin typeface="Source Sans Pro Bold"/>
-                <a:ea typeface="Source Sans Pro Bold"/>
-                <a:cs typeface="Source Sans Pro Bold"/>
-                <a:sym typeface="Source Sans Pro Bold"/>
-              </a:rPr>
-            </a:br>
-            <a:br>
-              <a:rPr kumimoji="0" lang="nb-NO" sz="900" b="0" i="0" u="none" strike="noStrike" cap="none" spc="0" normalizeH="0" baseline="0" dirty="0">
-                <a:ln>
-                  <a:noFill/>
-                </a:ln>
-                <a:solidFill>
-                  <a:srgbClr val="4C4C4C"/>
-                </a:solidFill>
-                <a:effectLst/>
-                <a:uFillTx/>
-                <a:latin typeface="Source Sans Pro Bold"/>
-                <a:ea typeface="Source Sans Pro Bold"/>
-                <a:cs typeface="Source Sans Pro Bold"/>
-                <a:sym typeface="Source Sans Pro Bold"/>
-              </a:rPr>
-            </a:br>
-            <a:r>
-              <a:rPr kumimoji="0" lang="nb-NO" sz="900" b="0" i="0" u="none" strike="noStrike" cap="none" spc="0" normalizeH="0" baseline="0" dirty="0" err="1">
-                <a:ln>
-                  <a:noFill/>
-                </a:ln>
-                <a:solidFill>
-                  <a:srgbClr val="4C4C4C"/>
-                </a:solidFill>
-                <a:effectLst/>
-                <a:uFillTx/>
-                <a:latin typeface="Source Sans Pro Bold"/>
-                <a:ea typeface="Source Sans Pro Bold"/>
-                <a:cs typeface="Source Sans Pro Bold"/>
-                <a:sym typeface="Source Sans Pro Bold"/>
-              </a:rPr>
-              <a:t>df</a:t>
-            </a:r>
-            <a:r>
-              <a:rPr kumimoji="0" lang="nb-NO" sz="900" b="0" i="0" u="none" strike="noStrike" cap="none" spc="0" normalizeH="0" baseline="0" dirty="0">
-                <a:ln>
-                  <a:noFill/>
-                </a:ln>
-                <a:solidFill>
-                  <a:srgbClr val="4C4C4C"/>
-                </a:solidFill>
-                <a:effectLst/>
-                <a:uFillTx/>
-                <a:latin typeface="Source Sans Pro Bold"/>
-                <a:ea typeface="Source Sans Pro Bold"/>
-                <a:cs typeface="Source Sans Pro Bold"/>
-                <a:sym typeface="Source Sans Pro Bold"/>
-              </a:rPr>
-              <a:t> : 		Data </a:t>
-            </a:r>
-            <a:r>
-              <a:rPr kumimoji="0" lang="nb-NO" sz="900" b="0" i="0" u="none" strike="noStrike" cap="none" spc="0" normalizeH="0" baseline="0" dirty="0" err="1">
-                <a:ln>
-                  <a:noFill/>
-                </a:ln>
-                <a:solidFill>
-                  <a:srgbClr val="4C4C4C"/>
-                </a:solidFill>
-                <a:effectLst/>
-                <a:uFillTx/>
-                <a:latin typeface="Source Sans Pro Bold"/>
-                <a:ea typeface="Source Sans Pro Bold"/>
-                <a:cs typeface="Source Sans Pro Bold"/>
-                <a:sym typeface="Source Sans Pro Bold"/>
-              </a:rPr>
-              <a:t>frame</a:t>
-            </a:r>
-            <a:r>
-              <a:rPr kumimoji="0" lang="nb-NO" sz="900" b="0" i="0" u="none" strike="noStrike" cap="none" spc="0" normalizeH="0" baseline="0" dirty="0">
-                <a:ln>
-                  <a:noFill/>
-                </a:ln>
-                <a:solidFill>
-                  <a:srgbClr val="4C4C4C"/>
-                </a:solidFill>
-                <a:effectLst/>
-                <a:uFillTx/>
-                <a:latin typeface="Source Sans Pro Bold"/>
-                <a:ea typeface="Source Sans Pro Bold"/>
-                <a:cs typeface="Source Sans Pro Bold"/>
-                <a:sym typeface="Source Sans Pro Bold"/>
-              </a:rPr>
-              <a:t>: </a:t>
-            </a:r>
-            <a:r>
-              <a:rPr lang="nb-NO" sz="900" dirty="0"/>
-              <a:t>input data</a:t>
-            </a:r>
-          </a:p>
-          <a:p>
-            <a:pPr marL="0" marR="0" indent="0" algn="l" defTabSz="584200" rtl="0" fontAlgn="auto" latinLnBrk="0" hangingPunct="0">
-              <a:lnSpc>
-                <a:spcPct val="100000"/>
-              </a:lnSpc>
-              <a:spcBef>
-                <a:spcPts val="200"/>
-              </a:spcBef>
-              <a:spcAft>
-                <a:spcPts val="0"/>
-              </a:spcAft>
-              <a:buClrTx/>
-              <a:buSzTx/>
-              <a:buFontTx/>
-              <a:buNone/>
-              <a:tabLst/>
-            </a:pPr>
-            <a:r>
-              <a:rPr lang="nb-NO" sz="900" dirty="0" err="1"/>
-              <a:t>numerosity</a:t>
-            </a:r>
-            <a:r>
-              <a:rPr lang="nb-NO" sz="900" dirty="0"/>
-              <a:t>:		</a:t>
-            </a:r>
-            <a:r>
-              <a:rPr lang="nb-NO" sz="900" dirty="0" err="1"/>
-              <a:t>String</a:t>
-            </a:r>
-            <a:r>
-              <a:rPr lang="nb-NO" sz="900" dirty="0"/>
-              <a:t>: </a:t>
-            </a:r>
-            <a:r>
-              <a:rPr lang="nb-NO" sz="900" dirty="0" err="1"/>
-              <a:t>column</a:t>
-            </a:r>
-            <a:r>
-              <a:rPr lang="nb-NO" sz="900" dirty="0"/>
-              <a:t> </a:t>
-            </a:r>
-            <a:r>
-              <a:rPr lang="nb-NO" sz="900" dirty="0" err="1"/>
-              <a:t>with</a:t>
-            </a:r>
-            <a:r>
-              <a:rPr lang="nb-NO" sz="900" dirty="0"/>
-              <a:t> </a:t>
-            </a:r>
-            <a:r>
-              <a:rPr lang="nb-NO" sz="900" dirty="0" err="1"/>
-              <a:t>numerosity</a:t>
-            </a:r>
-            <a:r>
-              <a:rPr lang="nb-NO" sz="900" dirty="0"/>
-              <a:t> data.</a:t>
-            </a:r>
-          </a:p>
-          <a:p>
-            <a:pPr marL="0" marR="0" indent="0" algn="l" defTabSz="584200" rtl="0" fontAlgn="auto" latinLnBrk="0" hangingPunct="0">
-              <a:lnSpc>
-                <a:spcPct val="100000"/>
-              </a:lnSpc>
-              <a:spcBef>
-                <a:spcPts val="200"/>
-              </a:spcBef>
-              <a:spcAft>
-                <a:spcPts val="0"/>
-              </a:spcAft>
-              <a:buClrTx/>
-              <a:buSzTx/>
-              <a:buFontTx/>
-              <a:buNone/>
-              <a:tabLst/>
-            </a:pPr>
-            <a:r>
-              <a:rPr lang="nb-NO" sz="900" dirty="0" err="1"/>
-              <a:t>response</a:t>
-            </a:r>
-            <a:r>
-              <a:rPr lang="nb-NO" sz="900" dirty="0"/>
-              <a:t>:		</a:t>
-            </a:r>
-            <a:r>
-              <a:rPr lang="nb-NO" sz="900" dirty="0" err="1"/>
-              <a:t>String</a:t>
-            </a:r>
-            <a:r>
-              <a:rPr lang="nb-NO" sz="900" dirty="0"/>
-              <a:t>: </a:t>
-            </a:r>
-            <a:r>
-              <a:rPr lang="nb-NO" sz="900" dirty="0" err="1"/>
-              <a:t>column</a:t>
-            </a:r>
-            <a:r>
-              <a:rPr lang="nb-NO" sz="900" dirty="0"/>
-              <a:t> </a:t>
-            </a:r>
-            <a:r>
-              <a:rPr lang="nb-NO" sz="900" dirty="0" err="1"/>
-              <a:t>with</a:t>
-            </a:r>
-            <a:r>
-              <a:rPr lang="nb-NO" sz="900" dirty="0"/>
-              <a:t> </a:t>
-            </a:r>
-            <a:r>
-              <a:rPr lang="nb-NO" sz="900" dirty="0" err="1"/>
-              <a:t>participant</a:t>
-            </a:r>
-            <a:r>
-              <a:rPr lang="nb-NO" sz="900" dirty="0"/>
-              <a:t> </a:t>
-            </a:r>
-            <a:r>
-              <a:rPr lang="nb-NO" sz="900" dirty="0" err="1"/>
-              <a:t>response</a:t>
-            </a:r>
-            <a:r>
-              <a:rPr lang="nb-NO" sz="900" dirty="0"/>
-              <a:t> data.</a:t>
-            </a:r>
-          </a:p>
-          <a:p>
-            <a:r>
-              <a:rPr lang="nb-NO" sz="900" dirty="0" err="1"/>
-              <a:t>rt</a:t>
-            </a:r>
-            <a:r>
-              <a:rPr lang="nb-NO" sz="900" dirty="0"/>
-              <a:t>:		</a:t>
-            </a:r>
-            <a:r>
-              <a:rPr lang="nb-NO" sz="900" dirty="0" err="1"/>
-              <a:t>String</a:t>
-            </a:r>
-            <a:r>
-              <a:rPr lang="nb-NO" sz="900" dirty="0"/>
-              <a:t>: </a:t>
-            </a:r>
-            <a:r>
-              <a:rPr lang="nb-NO" sz="900" dirty="0" err="1"/>
-              <a:t>column</a:t>
-            </a:r>
-            <a:r>
-              <a:rPr lang="nb-NO" sz="900" dirty="0"/>
-              <a:t> </a:t>
-            </a:r>
-            <a:r>
-              <a:rPr lang="nb-NO" sz="900" dirty="0" err="1"/>
-              <a:t>with</a:t>
-            </a:r>
-            <a:r>
-              <a:rPr lang="nb-NO" sz="900" dirty="0"/>
-              <a:t> </a:t>
-            </a:r>
-            <a:r>
-              <a:rPr lang="nb-NO" sz="900" dirty="0" err="1"/>
-              <a:t>response</a:t>
-            </a:r>
-            <a:r>
-              <a:rPr lang="nb-NO" sz="900" dirty="0"/>
-              <a:t> time.</a:t>
-            </a:r>
-          </a:p>
-          <a:p>
-            <a:pPr marL="0" marR="0" indent="0" algn="l" defTabSz="584200" rtl="0" fontAlgn="auto" latinLnBrk="0" hangingPunct="0">
-              <a:lnSpc>
-                <a:spcPct val="100000"/>
-              </a:lnSpc>
-              <a:spcBef>
-                <a:spcPts val="200"/>
-              </a:spcBef>
-              <a:spcAft>
-                <a:spcPts val="0"/>
-              </a:spcAft>
-              <a:buClrTx/>
-              <a:buSzTx/>
-              <a:buFontTx/>
-              <a:buNone/>
-              <a:tabLst/>
-            </a:pPr>
-            <a:r>
-              <a:rPr lang="nb-NO" sz="900" dirty="0" err="1"/>
-              <a:t>workerID</a:t>
-            </a:r>
-            <a:r>
-              <a:rPr lang="nb-NO" sz="900" dirty="0"/>
-              <a:t>:	         	</a:t>
-            </a:r>
-            <a:r>
-              <a:rPr lang="nb-NO" sz="900" dirty="0" err="1"/>
-              <a:t>String</a:t>
-            </a:r>
-            <a:r>
-              <a:rPr lang="nb-NO" sz="900" dirty="0"/>
-              <a:t>: </a:t>
-            </a:r>
-            <a:r>
-              <a:rPr lang="nb-NO" sz="900" dirty="0" err="1"/>
-              <a:t>column</a:t>
-            </a:r>
-            <a:r>
-              <a:rPr lang="nb-NO" sz="900" dirty="0"/>
-              <a:t> </a:t>
-            </a:r>
-            <a:r>
-              <a:rPr lang="nb-NO" sz="900" dirty="0" err="1"/>
-              <a:t>with</a:t>
-            </a:r>
-            <a:r>
-              <a:rPr lang="nb-NO" sz="900" dirty="0"/>
-              <a:t> </a:t>
-            </a:r>
-            <a:r>
-              <a:rPr lang="nb-NO" sz="900" dirty="0" err="1"/>
-              <a:t>workerID</a:t>
-            </a:r>
-            <a:r>
-              <a:rPr lang="nb-NO" sz="900" dirty="0"/>
-              <a:t>. </a:t>
-            </a:r>
-          </a:p>
-          <a:p>
-            <a:pPr marL="0" marR="0" indent="0" algn="l" defTabSz="584200" rtl="0" fontAlgn="auto" latinLnBrk="0" hangingPunct="0">
-              <a:lnSpc>
-                <a:spcPct val="100000"/>
-              </a:lnSpc>
-              <a:spcBef>
-                <a:spcPts val="200"/>
-              </a:spcBef>
-              <a:spcAft>
-                <a:spcPts val="0"/>
-              </a:spcAft>
-              <a:buClrTx/>
-              <a:buSzTx/>
-              <a:buFontTx/>
-              <a:buNone/>
-              <a:tabLst/>
-            </a:pPr>
-            <a:r>
-              <a:rPr lang="nb-NO" sz="900" dirty="0" err="1"/>
-              <a:t>minRT</a:t>
-            </a:r>
-            <a:r>
-              <a:rPr lang="nb-NO" sz="900" dirty="0"/>
-              <a:t>:	         	</a:t>
-            </a:r>
-            <a:r>
-              <a:rPr lang="nb-NO" sz="900" dirty="0" err="1"/>
-              <a:t>Numeric</a:t>
-            </a:r>
-            <a:r>
-              <a:rPr lang="nb-NO" sz="900" dirty="0"/>
-              <a:t>: </a:t>
-            </a:r>
-            <a:r>
-              <a:rPr lang="nb-NO" sz="900" dirty="0" err="1"/>
-              <a:t>Remove</a:t>
-            </a:r>
-            <a:r>
-              <a:rPr lang="nb-NO" sz="900" dirty="0"/>
-              <a:t> </a:t>
-            </a:r>
-            <a:r>
-              <a:rPr lang="nb-NO" sz="900" dirty="0" err="1"/>
-              <a:t>outliers</a:t>
-            </a:r>
-            <a:r>
-              <a:rPr lang="nb-NO" sz="900" dirty="0"/>
-              <a:t>: RTs less </a:t>
-            </a:r>
-            <a:r>
-              <a:rPr lang="nb-NO" sz="900" dirty="0" err="1"/>
-              <a:t>than</a:t>
-            </a:r>
-            <a:r>
-              <a:rPr lang="nb-NO" sz="900" dirty="0"/>
-              <a:t> </a:t>
-            </a:r>
-            <a:r>
-              <a:rPr lang="nb-NO" sz="900" dirty="0" err="1"/>
-              <a:t>minRT</a:t>
-            </a:r>
-            <a:r>
-              <a:rPr lang="nb-NO" sz="900" dirty="0"/>
-              <a:t>.</a:t>
-            </a:r>
-          </a:p>
-          <a:p>
-            <a:pPr marL="0" marR="0" indent="0" algn="l" defTabSz="584200" rtl="0" fontAlgn="auto" latinLnBrk="0" hangingPunct="0">
-              <a:lnSpc>
-                <a:spcPct val="100000"/>
-              </a:lnSpc>
-              <a:spcBef>
-                <a:spcPts val="200"/>
-              </a:spcBef>
-              <a:spcAft>
-                <a:spcPts val="0"/>
-              </a:spcAft>
-              <a:buClrTx/>
-              <a:buSzTx/>
-              <a:buFontTx/>
-              <a:buNone/>
-              <a:tabLst/>
-            </a:pPr>
-            <a:r>
-              <a:rPr lang="nb-NO" sz="900" dirty="0" err="1"/>
-              <a:t>maxRT</a:t>
-            </a:r>
-            <a:r>
-              <a:rPr lang="nb-NO" sz="900" dirty="0"/>
-              <a:t>:	        	</a:t>
-            </a:r>
-            <a:r>
-              <a:rPr lang="nb-NO" sz="900" dirty="0" err="1"/>
-              <a:t>Numeric</a:t>
-            </a:r>
-            <a:r>
-              <a:rPr lang="nb-NO" sz="900" dirty="0"/>
-              <a:t>: </a:t>
-            </a:r>
-            <a:r>
-              <a:rPr lang="nb-NO" sz="900" dirty="0" err="1"/>
-              <a:t>Remove</a:t>
-            </a:r>
-            <a:r>
-              <a:rPr lang="nb-NO" sz="900" dirty="0"/>
-              <a:t> </a:t>
-            </a:r>
-            <a:r>
-              <a:rPr lang="nb-NO" sz="900" dirty="0" err="1"/>
-              <a:t>outliers</a:t>
-            </a:r>
-            <a:r>
-              <a:rPr lang="nb-NO" sz="900" dirty="0"/>
-              <a:t>: RTs more </a:t>
-            </a:r>
-            <a:r>
-              <a:rPr lang="nb-NO" sz="900" dirty="0" err="1"/>
-              <a:t>than</a:t>
-            </a:r>
-            <a:r>
-              <a:rPr lang="nb-NO" sz="900" dirty="0"/>
-              <a:t> </a:t>
-            </a:r>
-            <a:r>
-              <a:rPr lang="nb-NO" sz="900" dirty="0" err="1"/>
-              <a:t>maxRT</a:t>
-            </a:r>
-            <a:r>
-              <a:rPr lang="nb-NO" sz="900" dirty="0"/>
-              <a:t>.</a:t>
-            </a:r>
-          </a:p>
-          <a:p>
-            <a:pPr marL="0" marR="0" indent="0" algn="l" defTabSz="584200" rtl="0" fontAlgn="auto" latinLnBrk="0" hangingPunct="0">
-              <a:lnSpc>
-                <a:spcPct val="100000"/>
-              </a:lnSpc>
-              <a:spcBef>
-                <a:spcPts val="200"/>
-              </a:spcBef>
-              <a:spcAft>
-                <a:spcPts val="0"/>
-              </a:spcAft>
-              <a:buClrTx/>
-              <a:buSzTx/>
-              <a:buFontTx/>
-              <a:buNone/>
-              <a:tabLst/>
-            </a:pPr>
-            <a:r>
-              <a:rPr lang="nb-NO" sz="900" dirty="0" err="1"/>
-              <a:t>minCor</a:t>
-            </a:r>
-            <a:r>
-              <a:rPr lang="nb-NO" sz="900" dirty="0"/>
-              <a:t>:                  	</a:t>
-            </a:r>
-            <a:r>
-              <a:rPr lang="nb-NO" sz="900" dirty="0" err="1"/>
-              <a:t>Numeric</a:t>
-            </a:r>
-            <a:r>
-              <a:rPr lang="nb-NO" sz="900" dirty="0"/>
-              <a:t>: </a:t>
-            </a:r>
-            <a:r>
-              <a:rPr lang="nb-NO" sz="900" dirty="0" err="1"/>
-              <a:t>Remove</a:t>
-            </a:r>
-            <a:r>
-              <a:rPr lang="nb-NO" sz="900" dirty="0"/>
-              <a:t> persons </a:t>
-            </a:r>
-            <a:r>
-              <a:rPr lang="nb-NO" sz="900" dirty="0" err="1"/>
-              <a:t>with</a:t>
-            </a:r>
-            <a:r>
-              <a:rPr lang="nb-NO" sz="900" dirty="0"/>
-              <a:t> </a:t>
-            </a:r>
-            <a:r>
-              <a:rPr lang="nb-NO" sz="900" dirty="0" err="1"/>
-              <a:t>numerosity</a:t>
-            </a:r>
-            <a:r>
-              <a:rPr lang="nb-NO" sz="900" dirty="0"/>
-              <a:t>-to-			</a:t>
-            </a:r>
-            <a:r>
-              <a:rPr lang="nb-NO" sz="900" dirty="0" err="1"/>
-              <a:t>answer</a:t>
-            </a:r>
-            <a:r>
-              <a:rPr lang="nb-NO" sz="900" dirty="0"/>
-              <a:t> </a:t>
-            </a:r>
-            <a:r>
-              <a:rPr lang="nb-NO" sz="900" dirty="0" err="1"/>
-              <a:t>correlation</a:t>
-            </a:r>
-            <a:r>
-              <a:rPr lang="nb-NO" sz="900" dirty="0"/>
-              <a:t> </a:t>
-            </a:r>
-            <a:r>
-              <a:rPr lang="nb-NO" sz="900" dirty="0" err="1"/>
-              <a:t>lower</a:t>
-            </a:r>
-            <a:r>
-              <a:rPr lang="nb-NO" sz="900" dirty="0"/>
-              <a:t> </a:t>
-            </a:r>
-            <a:r>
-              <a:rPr lang="nb-NO" sz="900" dirty="0" err="1"/>
-              <a:t>than</a:t>
-            </a:r>
-            <a:r>
-              <a:rPr lang="nb-NO" sz="900" dirty="0"/>
-              <a:t> </a:t>
-            </a:r>
-            <a:r>
-              <a:rPr lang="nb-NO" sz="900" dirty="0" err="1"/>
-              <a:t>minCor</a:t>
-            </a:r>
-            <a:r>
-              <a:rPr lang="nb-NO" sz="900" dirty="0"/>
-              <a:t>.</a:t>
-            </a:r>
-          </a:p>
-          <a:p>
-            <a:pPr marL="0" marR="0" indent="0" algn="l" defTabSz="584200" rtl="0" fontAlgn="auto" latinLnBrk="0" hangingPunct="0">
-              <a:lnSpc>
-                <a:spcPct val="100000"/>
-              </a:lnSpc>
-              <a:spcBef>
-                <a:spcPts val="200"/>
-              </a:spcBef>
-              <a:spcAft>
-                <a:spcPts val="0"/>
-              </a:spcAft>
-              <a:buClrTx/>
-              <a:buSzTx/>
-              <a:buFontTx/>
-              <a:buNone/>
-              <a:tabLst/>
-            </a:pPr>
-            <a:r>
-              <a:rPr lang="nb-NO" sz="900" dirty="0" err="1"/>
-              <a:t>iqrFactor</a:t>
-            </a:r>
-            <a:r>
-              <a:rPr lang="nb-NO" sz="900" dirty="0"/>
-              <a:t>:	          	</a:t>
-            </a:r>
-            <a:r>
-              <a:rPr lang="nb-NO" sz="900" dirty="0" err="1"/>
-              <a:t>Numeric</a:t>
-            </a:r>
-            <a:r>
-              <a:rPr lang="nb-NO" sz="900" dirty="0"/>
-              <a:t>: </a:t>
-            </a:r>
-            <a:r>
-              <a:rPr lang="nb-NO" sz="900" dirty="0" err="1"/>
-              <a:t>Remove</a:t>
-            </a:r>
-            <a:r>
-              <a:rPr lang="nb-NO" sz="900" dirty="0"/>
-              <a:t> </a:t>
-            </a:r>
-            <a:r>
-              <a:rPr lang="nb-NO" sz="900" dirty="0" err="1"/>
-              <a:t>routliers</a:t>
-            </a:r>
-            <a:r>
-              <a:rPr lang="nb-NO" sz="900" dirty="0"/>
-              <a:t>.</a:t>
-            </a:r>
-            <a:br>
-              <a:rPr lang="nb-NO" sz="900" dirty="0"/>
-            </a:br>
-            <a:r>
-              <a:rPr lang="nb-NO" sz="900" dirty="0"/>
-              <a:t>	          	</a:t>
-            </a:r>
-            <a:r>
-              <a:rPr lang="nb-NO" sz="900" dirty="0" err="1"/>
-              <a:t>Responses</a:t>
-            </a:r>
-            <a:r>
-              <a:rPr lang="nb-NO" sz="900" dirty="0"/>
-              <a:t> &lt;&gt; median +/- </a:t>
-            </a:r>
-            <a:r>
-              <a:rPr lang="nb-NO" sz="900" dirty="0" err="1"/>
-              <a:t>iqrFactor</a:t>
-            </a:r>
-            <a:r>
-              <a:rPr lang="nb-NO" sz="900" dirty="0"/>
-              <a:t>*</a:t>
-            </a:r>
-            <a:r>
-              <a:rPr lang="nb-NO" sz="900" dirty="0" err="1"/>
-              <a:t>iqr</a:t>
-            </a:r>
-            <a:endParaRPr lang="nb-NO" sz="900" dirty="0"/>
-          </a:p>
-          <a:p>
-            <a:pPr marL="0" marR="0" indent="0" algn="l" defTabSz="584200" rtl="0" fontAlgn="auto" latinLnBrk="0" hangingPunct="0">
-              <a:lnSpc>
-                <a:spcPct val="100000"/>
-              </a:lnSpc>
-              <a:spcBef>
-                <a:spcPts val="200"/>
-              </a:spcBef>
-              <a:spcAft>
-                <a:spcPts val="0"/>
-              </a:spcAft>
-              <a:buClrTx/>
-              <a:buSzTx/>
-              <a:buFontTx/>
-              <a:buNone/>
-              <a:tabLst/>
-            </a:pPr>
-            <a:r>
-              <a:rPr lang="nb-NO" sz="900" dirty="0" err="1"/>
-              <a:t>printSummary</a:t>
-            </a:r>
-            <a:r>
-              <a:rPr lang="nb-NO" sz="900" dirty="0"/>
-              <a:t>:    	</a:t>
-            </a:r>
-            <a:r>
-              <a:rPr lang="nb-NO" sz="900" dirty="0" err="1"/>
-              <a:t>Logical</a:t>
-            </a:r>
-            <a:r>
-              <a:rPr lang="nb-NO" sz="900" dirty="0"/>
-              <a:t>: If TRUE, </a:t>
-            </a:r>
-            <a:r>
-              <a:rPr lang="nb-NO" sz="900" dirty="0" err="1"/>
-              <a:t>print</a:t>
-            </a:r>
-            <a:r>
-              <a:rPr lang="nb-NO" sz="900" dirty="0"/>
-              <a:t> </a:t>
-            </a:r>
-            <a:r>
-              <a:rPr lang="nb-NO" sz="900" dirty="0" err="1"/>
-              <a:t>summary</a:t>
-            </a:r>
-            <a:r>
-              <a:rPr lang="nb-NO" sz="900" dirty="0"/>
-              <a:t> data.</a:t>
-            </a:r>
-          </a:p>
-          <a:p>
-            <a:pPr marL="0" marR="0" indent="0" algn="l" defTabSz="584200" rtl="0" fontAlgn="auto" latinLnBrk="0" hangingPunct="0">
-              <a:lnSpc>
-                <a:spcPct val="100000"/>
-              </a:lnSpc>
-              <a:spcBef>
-                <a:spcPts val="200"/>
-              </a:spcBef>
-              <a:spcAft>
-                <a:spcPts val="0"/>
-              </a:spcAft>
-              <a:buClrTx/>
-              <a:buSzTx/>
-              <a:buFontTx/>
-              <a:buNone/>
-              <a:tabLst/>
-            </a:pPr>
-            <a:r>
-              <a:rPr lang="nb-NO" sz="900" dirty="0" err="1"/>
-              <a:t>plotOutliers</a:t>
-            </a:r>
-            <a:r>
-              <a:rPr lang="nb-NO" sz="900" dirty="0"/>
-              <a:t>:          	</a:t>
-            </a:r>
-            <a:r>
-              <a:rPr lang="nb-NO" sz="900" dirty="0" err="1"/>
-              <a:t>Logical</a:t>
-            </a:r>
-            <a:r>
-              <a:rPr lang="nb-NO" sz="900" dirty="0"/>
-              <a:t>: If TRUE, plot </a:t>
-            </a:r>
-            <a:r>
-              <a:rPr lang="nb-NO" sz="900" dirty="0" err="1"/>
-              <a:t>outliers</a:t>
-            </a:r>
-            <a:r>
-              <a:rPr lang="nb-NO" sz="900" dirty="0"/>
-              <a:t> (persons </a:t>
-            </a:r>
-            <a:r>
-              <a:rPr lang="nb-NO" sz="900" dirty="0" err="1"/>
-              <a:t>only</a:t>
-            </a:r>
-            <a:r>
-              <a:rPr lang="nb-NO" sz="900" dirty="0"/>
-              <a:t>).</a:t>
-            </a:r>
-          </a:p>
-          <a:p>
-            <a:pPr marL="0" marR="0" indent="0" algn="l" defTabSz="584200" rtl="0" fontAlgn="auto" latinLnBrk="0" hangingPunct="0">
-              <a:lnSpc>
-                <a:spcPct val="100000"/>
-              </a:lnSpc>
-              <a:spcBef>
-                <a:spcPts val="200"/>
-              </a:spcBef>
-              <a:spcAft>
-                <a:spcPts val="0"/>
-              </a:spcAft>
-              <a:buClrTx/>
-              <a:buSzTx/>
-              <a:buFontTx/>
-              <a:buNone/>
-              <a:tabLst/>
-            </a:pPr>
-            <a:r>
-              <a:rPr lang="nb-NO" sz="900" dirty="0" err="1"/>
-              <a:t>positionOutliers</a:t>
-            </a:r>
-            <a:r>
-              <a:rPr lang="nb-NO" sz="900" dirty="0"/>
-              <a:t>: 	</a:t>
-            </a:r>
-            <a:r>
-              <a:rPr lang="nb-NO" sz="900" dirty="0" err="1"/>
-              <a:t>String</a:t>
-            </a:r>
-            <a:r>
-              <a:rPr lang="nb-NO" sz="900" dirty="0"/>
-              <a:t>: </a:t>
-            </a:r>
-            <a:r>
-              <a:rPr lang="nb-NO" sz="900" dirty="0" err="1"/>
-              <a:t>put</a:t>
-            </a:r>
-            <a:r>
-              <a:rPr lang="nb-NO" sz="900" dirty="0"/>
-              <a:t> </a:t>
-            </a:r>
-            <a:r>
-              <a:rPr lang="nb-NO" sz="900" dirty="0" err="1"/>
-              <a:t>outliers</a:t>
-            </a:r>
-            <a:r>
-              <a:rPr lang="nb-NO" sz="900" dirty="0"/>
-              <a:t> </a:t>
-            </a:r>
-            <a:r>
-              <a:rPr lang="nb-NO" sz="900" dirty="0" err="1"/>
-              <a:t>on</a:t>
-            </a:r>
-            <a:r>
-              <a:rPr lang="nb-NO" sz="900" dirty="0"/>
-              <a:t> </a:t>
-            </a:r>
-            <a:r>
-              <a:rPr kumimoji="0" lang="nb-NO" sz="900" b="0" i="0" u="none" strike="noStrike" cap="none" spc="0" normalizeH="0" baseline="0" dirty="0">
-                <a:ln>
-                  <a:noFill/>
-                </a:ln>
-                <a:solidFill>
-                  <a:srgbClr val="4C4C4C"/>
-                </a:solidFill>
-                <a:effectLst/>
-                <a:uFillTx/>
-                <a:latin typeface="Source Sans Pro Bold"/>
-                <a:ea typeface="Source Sans Pro Bold"/>
-                <a:cs typeface="Source Sans Pro Bold"/>
-                <a:sym typeface="Source Sans Pro Bold"/>
-              </a:rPr>
-              <a:t>"</a:t>
-            </a:r>
-            <a:r>
-              <a:rPr lang="nb-NO" sz="900" dirty="0" err="1"/>
-              <a:t>top</a:t>
-            </a:r>
-            <a:r>
-              <a:rPr kumimoji="0" lang="nb-NO" sz="900" b="0" i="0" u="none" strike="noStrike" cap="none" spc="0" normalizeH="0" baseline="0" dirty="0">
-                <a:ln>
-                  <a:noFill/>
-                </a:ln>
-                <a:solidFill>
-                  <a:srgbClr val="4C4C4C"/>
-                </a:solidFill>
-                <a:effectLst/>
-                <a:uFillTx/>
-                <a:latin typeface="Source Sans Pro Bold"/>
-                <a:ea typeface="Source Sans Pro Bold"/>
-                <a:cs typeface="Source Sans Pro Bold"/>
-                <a:sym typeface="Source Sans Pro Bold"/>
-              </a:rPr>
-              <a:t>"</a:t>
-            </a:r>
-            <a:r>
-              <a:rPr lang="nb-NO" sz="900" dirty="0"/>
-              <a:t> or </a:t>
-            </a:r>
-            <a:r>
-              <a:rPr kumimoji="0" lang="nb-NO" sz="900" b="0" i="0" u="none" strike="noStrike" cap="none" spc="0" normalizeH="0" baseline="0" dirty="0">
-                <a:ln>
-                  <a:noFill/>
-                </a:ln>
-                <a:solidFill>
-                  <a:srgbClr val="4C4C4C"/>
-                </a:solidFill>
-                <a:effectLst/>
-                <a:uFillTx/>
-                <a:latin typeface="Source Sans Pro Bold"/>
-                <a:ea typeface="Source Sans Pro Bold"/>
-                <a:cs typeface="Source Sans Pro Bold"/>
-                <a:sym typeface="Source Sans Pro Bold"/>
-              </a:rPr>
-              <a:t>"</a:t>
-            </a:r>
-            <a:r>
-              <a:rPr lang="nb-NO" sz="900" dirty="0" err="1"/>
-              <a:t>bottom</a:t>
-            </a:r>
-            <a:r>
-              <a:rPr kumimoji="0" lang="nb-NO" sz="900" b="0" i="0" u="none" strike="noStrike" cap="none" spc="0" normalizeH="0" baseline="0" dirty="0">
-                <a:ln>
-                  <a:noFill/>
-                </a:ln>
-                <a:solidFill>
-                  <a:srgbClr val="4C4C4C"/>
-                </a:solidFill>
-                <a:effectLst/>
-                <a:uFillTx/>
-                <a:latin typeface="Source Sans Pro Bold"/>
-                <a:ea typeface="Source Sans Pro Bold"/>
-                <a:cs typeface="Source Sans Pro Bold"/>
-                <a:sym typeface="Source Sans Pro Bold"/>
-              </a:rPr>
-              <a:t>"</a:t>
-            </a:r>
-            <a:r>
-              <a:rPr lang="nb-NO" sz="900" dirty="0"/>
-              <a:t> of original 	           	data </a:t>
-            </a:r>
-            <a:r>
-              <a:rPr lang="nb-NO" sz="900" dirty="0" err="1"/>
-              <a:t>frame</a:t>
-            </a:r>
-            <a:r>
-              <a:rPr lang="nb-NO" sz="900" dirty="0"/>
-              <a:t>. If </a:t>
-            </a:r>
-            <a:r>
-              <a:rPr kumimoji="0" lang="nb-NO" sz="900" b="0" i="0" u="none" strike="noStrike" cap="none" spc="0" normalizeH="0" baseline="0" dirty="0">
-                <a:ln>
-                  <a:noFill/>
-                </a:ln>
-                <a:solidFill>
-                  <a:srgbClr val="4C4C4C"/>
-                </a:solidFill>
-                <a:effectLst/>
-                <a:uFillTx/>
-                <a:latin typeface="Source Sans Pro Bold"/>
-                <a:ea typeface="Source Sans Pro Bold"/>
-                <a:cs typeface="Source Sans Pro Bold"/>
-                <a:sym typeface="Source Sans Pro Bold"/>
-              </a:rPr>
-              <a:t>"</a:t>
-            </a:r>
-            <a:r>
-              <a:rPr lang="nb-NO" sz="900" dirty="0" err="1"/>
-              <a:t>remove</a:t>
-            </a:r>
-            <a:r>
-              <a:rPr kumimoji="0" lang="nb-NO" sz="900" b="0" i="0" u="none" strike="noStrike" cap="none" spc="0" normalizeH="0" baseline="0" dirty="0">
-                <a:ln>
-                  <a:noFill/>
-                </a:ln>
-                <a:solidFill>
-                  <a:srgbClr val="4C4C4C"/>
-                </a:solidFill>
-                <a:effectLst/>
-                <a:uFillTx/>
-                <a:latin typeface="Source Sans Pro Bold"/>
-                <a:ea typeface="Source Sans Pro Bold"/>
-                <a:cs typeface="Source Sans Pro Bold"/>
-                <a:sym typeface="Source Sans Pro Bold"/>
-              </a:rPr>
-              <a:t>"</a:t>
-            </a:r>
-            <a:r>
-              <a:rPr lang="nb-NO" sz="900" dirty="0"/>
-              <a:t>: </a:t>
-            </a:r>
-            <a:r>
-              <a:rPr lang="nb-NO" sz="900" dirty="0" err="1"/>
-              <a:t>remove</a:t>
-            </a:r>
-            <a:r>
-              <a:rPr lang="nb-NO" sz="900" dirty="0"/>
-              <a:t> </a:t>
-            </a:r>
-            <a:r>
-              <a:rPr lang="nb-NO" sz="900" dirty="0" err="1"/>
-              <a:t>outliers</a:t>
-            </a:r>
-            <a:r>
-              <a:rPr lang="nb-NO" sz="900" dirty="0"/>
-              <a:t>.</a:t>
-            </a:r>
-          </a:p>
-          <a:p>
-            <a:pPr marL="0" marR="0" indent="0" algn="l" defTabSz="584200" rtl="0" fontAlgn="auto" latinLnBrk="0" hangingPunct="0">
-              <a:lnSpc>
-                <a:spcPct val="100000"/>
-              </a:lnSpc>
-              <a:spcBef>
-                <a:spcPts val="200"/>
-              </a:spcBef>
-              <a:spcAft>
-                <a:spcPts val="0"/>
-              </a:spcAft>
-              <a:buClrTx/>
-              <a:buSzTx/>
-              <a:buFontTx/>
-              <a:buNone/>
-              <a:tabLst/>
-            </a:pPr>
-            <a:endParaRPr lang="nb-NO" sz="1000" dirty="0"/>
-          </a:p>
-        </p:txBody>
-      </p:sp>
-      <p:sp>
-        <p:nvSpPr>
-          <p:cNvPr id="23" name="TekstSylinder 22">
-            <a:extLst>
-              <a:ext uri="{FF2B5EF4-FFF2-40B4-BE49-F238E27FC236}">
-                <a16:creationId xmlns:a16="http://schemas.microsoft.com/office/drawing/2014/main" id="{AD04F629-2408-0C9E-3772-C7702E346112}"/>
-              </a:ext>
-            </a:extLst>
-          </p:cNvPr>
-          <p:cNvSpPr txBox="1"/>
-          <p:nvPr/>
-        </p:nvSpPr>
-        <p:spPr>
-          <a:xfrm>
-            <a:off x="10224239" y="7800991"/>
-            <a:ext cx="3717058" cy="1387479"/>
-          </a:xfrm>
-          <a:prstGeom prst="rect">
-            <a:avLst/>
-          </a:prstGeom>
-          <a:noFill/>
-          <a:ln w="12700" cap="flat">
-            <a:noFill/>
-            <a:miter lim="400000"/>
-          </a:ln>
-          <a:effectLst/>
-          <a:sp3d/>
-        </p:spPr>
-        <p:style>
-          <a:lnRef idx="0">
-            <a:scrgbClr r="0" g="0" b="0"/>
-          </a:lnRef>
-          <a:fillRef idx="0">
-            <a:scrgbClr r="0" g="0" b="0"/>
-          </a:fillRef>
-          <a:effectRef idx="0">
-            <a:scrgbClr r="0" g="0" b="0"/>
-          </a:effectRef>
-          <a:fontRef idx="none"/>
-        </p:style>
-        <p:txBody>
-          <a:bodyPr rot="0" spcFirstLastPara="1" vertOverflow="overflow" horzOverflow="overflow" vert="horz" wrap="square" lIns="54570" tIns="54570" rIns="54570" bIns="54570" numCol="1" spcCol="38100" rtlCol="0" anchor="ctr">
-            <a:spAutoFit/>
-          </a:bodyPr>
-          <a:lstStyle/>
-          <a:p>
-            <a:pPr marL="0" marR="0" indent="0" algn="l" defTabSz="584200" rtl="0" fontAlgn="auto" latinLnBrk="0" hangingPunct="0">
-              <a:lnSpc>
-                <a:spcPct val="100000"/>
-              </a:lnSpc>
-              <a:spcBef>
-                <a:spcPts val="200"/>
-              </a:spcBef>
-              <a:spcAft>
-                <a:spcPts val="0"/>
-              </a:spcAft>
-              <a:buClrTx/>
-              <a:buSzTx/>
-              <a:buFontTx/>
-              <a:buNone/>
-              <a:tabLst/>
-            </a:pPr>
-            <a:r>
-              <a:rPr lang="nb-NO" sz="900" b="1" dirty="0" err="1"/>
-              <a:t>Default</a:t>
-            </a:r>
-            <a:r>
-              <a:rPr lang="nb-NO" sz="900" b="1" dirty="0"/>
-              <a:t> Settings</a:t>
-            </a:r>
-          </a:p>
-          <a:p>
-            <a:pPr marL="0" marR="0" indent="0" algn="l" defTabSz="584200" rtl="0" fontAlgn="auto" latinLnBrk="0" hangingPunct="0">
-              <a:lnSpc>
-                <a:spcPct val="100000"/>
-              </a:lnSpc>
-              <a:spcBef>
-                <a:spcPts val="200"/>
-              </a:spcBef>
-              <a:spcAft>
-                <a:spcPts val="0"/>
-              </a:spcAft>
-              <a:buClrTx/>
-              <a:buSzTx/>
-              <a:buFontTx/>
-              <a:buNone/>
-              <a:tabLst/>
-            </a:pPr>
-            <a:endParaRPr kumimoji="0" lang="nb-NO" sz="900" b="1" i="0" u="none" strike="noStrike" cap="none" spc="0" normalizeH="0" baseline="0" dirty="0">
-              <a:ln>
-                <a:noFill/>
-              </a:ln>
-              <a:solidFill>
-                <a:srgbClr val="4C4C4C"/>
-              </a:solidFill>
-              <a:effectLst/>
-              <a:uFillTx/>
-              <a:latin typeface="Source Sans Pro Bold"/>
-              <a:ea typeface="Source Sans Pro Bold"/>
-              <a:cs typeface="Source Sans Pro Bold"/>
-              <a:sym typeface="Source Sans Pro Bold"/>
-            </a:endParaRPr>
-          </a:p>
-          <a:p>
-            <a:pPr marL="0" marR="0" indent="0" algn="l" defTabSz="584200" rtl="0" fontAlgn="auto" latinLnBrk="0" hangingPunct="0">
-              <a:lnSpc>
-                <a:spcPct val="100000"/>
-              </a:lnSpc>
-              <a:spcBef>
-                <a:spcPts val="200"/>
-              </a:spcBef>
-              <a:spcAft>
-                <a:spcPts val="0"/>
-              </a:spcAft>
-              <a:buClrTx/>
-              <a:buSzTx/>
-              <a:buFontTx/>
-              <a:buNone/>
-              <a:tabLst/>
-            </a:pPr>
-            <a:r>
-              <a:rPr kumimoji="0" lang="nb-NO" sz="900" b="0" i="0" u="none" strike="noStrike" cap="none" spc="0" normalizeH="0" baseline="0" dirty="0" err="1">
-                <a:ln>
-                  <a:noFill/>
-                </a:ln>
-                <a:solidFill>
-                  <a:srgbClr val="4C4C4C"/>
-                </a:solidFill>
-                <a:effectLst/>
-                <a:uFillTx/>
-                <a:latin typeface="Source Sans Pro Bold"/>
-                <a:ea typeface="Source Sans Pro Bold"/>
-                <a:cs typeface="Source Sans Pro Bold"/>
-                <a:sym typeface="Source Sans Pro Bold"/>
-              </a:rPr>
-              <a:t>minRT</a:t>
-            </a:r>
-            <a:r>
-              <a:rPr kumimoji="0" lang="nb-NO" sz="900" b="0" i="0" u="none" strike="noStrike" cap="none" spc="0" normalizeH="0" baseline="0" dirty="0">
-                <a:ln>
-                  <a:noFill/>
-                </a:ln>
-                <a:solidFill>
-                  <a:srgbClr val="4C4C4C"/>
-                </a:solidFill>
-                <a:effectLst/>
-                <a:uFillTx/>
-                <a:latin typeface="Source Sans Pro Bold"/>
-                <a:ea typeface="Source Sans Pro Bold"/>
-                <a:cs typeface="Source Sans Pro Bold"/>
-                <a:sym typeface="Source Sans Pro Bold"/>
-              </a:rPr>
-              <a:t> = 500,</a:t>
-            </a:r>
-          </a:p>
-          <a:p>
-            <a:pPr marL="0" marR="0" indent="0" algn="l" defTabSz="584200" rtl="0" fontAlgn="auto" latinLnBrk="0" hangingPunct="0">
-              <a:lnSpc>
-                <a:spcPct val="100000"/>
-              </a:lnSpc>
-              <a:spcBef>
-                <a:spcPts val="200"/>
-              </a:spcBef>
-              <a:spcAft>
-                <a:spcPts val="0"/>
-              </a:spcAft>
-              <a:buClrTx/>
-              <a:buSzTx/>
-              <a:buFontTx/>
-              <a:buNone/>
-              <a:tabLst/>
-            </a:pPr>
-            <a:r>
-              <a:rPr kumimoji="0" lang="nb-NO" sz="900" b="0" i="0" u="none" strike="noStrike" cap="none" spc="0" normalizeH="0" baseline="0" dirty="0" err="1">
-                <a:ln>
-                  <a:noFill/>
-                </a:ln>
-                <a:solidFill>
-                  <a:srgbClr val="4C4C4C"/>
-                </a:solidFill>
-                <a:effectLst/>
-                <a:uFillTx/>
-                <a:latin typeface="Source Sans Pro Bold"/>
-                <a:ea typeface="Source Sans Pro Bold"/>
-                <a:cs typeface="Source Sans Pro Bold"/>
-                <a:sym typeface="Source Sans Pro Bold"/>
-              </a:rPr>
-              <a:t>maxRT</a:t>
-            </a:r>
-            <a:r>
-              <a:rPr kumimoji="0" lang="nb-NO" sz="900" b="0" i="0" u="none" strike="noStrike" cap="none" spc="0" normalizeH="0" baseline="0" dirty="0">
-                <a:ln>
-                  <a:noFill/>
-                </a:ln>
-                <a:solidFill>
-                  <a:srgbClr val="4C4C4C"/>
-                </a:solidFill>
-                <a:effectLst/>
-                <a:uFillTx/>
-                <a:latin typeface="Source Sans Pro Bold"/>
-                <a:ea typeface="Source Sans Pro Bold"/>
-                <a:cs typeface="Source Sans Pro Bold"/>
-                <a:sym typeface="Source Sans Pro Bold"/>
-              </a:rPr>
-              <a:t> = Inf,</a:t>
-            </a:r>
-          </a:p>
-          <a:p>
-            <a:pPr marL="0" marR="0" indent="0" algn="l" defTabSz="584200" rtl="0" fontAlgn="auto" latinLnBrk="0" hangingPunct="0">
-              <a:lnSpc>
-                <a:spcPct val="100000"/>
-              </a:lnSpc>
-              <a:spcBef>
-                <a:spcPts val="200"/>
-              </a:spcBef>
-              <a:spcAft>
-                <a:spcPts val="0"/>
-              </a:spcAft>
-              <a:buClrTx/>
-              <a:buSzTx/>
-              <a:buFontTx/>
-              <a:buNone/>
-              <a:tabLst/>
-            </a:pPr>
-            <a:r>
-              <a:rPr kumimoji="0" lang="nb-NO" sz="900" b="0" i="0" u="none" strike="noStrike" cap="none" spc="0" normalizeH="0" baseline="0" dirty="0" err="1">
-                <a:ln>
-                  <a:noFill/>
-                </a:ln>
-                <a:solidFill>
-                  <a:srgbClr val="4C4C4C"/>
-                </a:solidFill>
-                <a:effectLst/>
-                <a:uFillTx/>
-                <a:latin typeface="Source Sans Pro Bold"/>
-                <a:ea typeface="Source Sans Pro Bold"/>
-                <a:cs typeface="Source Sans Pro Bold"/>
-                <a:sym typeface="Source Sans Pro Bold"/>
-              </a:rPr>
-              <a:t>minCor</a:t>
-            </a:r>
-            <a:r>
-              <a:rPr kumimoji="0" lang="nb-NO" sz="900" b="0" i="0" u="none" strike="noStrike" cap="none" spc="0" normalizeH="0" baseline="0" dirty="0">
-                <a:ln>
-                  <a:noFill/>
-                </a:ln>
-                <a:solidFill>
-                  <a:srgbClr val="4C4C4C"/>
-                </a:solidFill>
-                <a:effectLst/>
-                <a:uFillTx/>
-                <a:latin typeface="Source Sans Pro Bold"/>
-                <a:ea typeface="Source Sans Pro Bold"/>
-                <a:cs typeface="Source Sans Pro Bold"/>
-                <a:sym typeface="Source Sans Pro Bold"/>
-              </a:rPr>
-              <a:t> = 0.3,</a:t>
-            </a:r>
-          </a:p>
-          <a:p>
-            <a:pPr marL="0" marR="0" indent="0" algn="l" defTabSz="584200" rtl="0" fontAlgn="auto" latinLnBrk="0" hangingPunct="0">
-              <a:lnSpc>
-                <a:spcPct val="100000"/>
-              </a:lnSpc>
-              <a:spcBef>
-                <a:spcPts val="200"/>
-              </a:spcBef>
-              <a:spcAft>
-                <a:spcPts val="0"/>
-              </a:spcAft>
-              <a:buClrTx/>
-              <a:buSzTx/>
-              <a:buFontTx/>
-              <a:buNone/>
-              <a:tabLst/>
-            </a:pPr>
-            <a:r>
-              <a:rPr kumimoji="0" lang="nb-NO" sz="900" b="0" i="0" u="none" strike="noStrike" cap="none" spc="0" normalizeH="0" baseline="0" dirty="0" err="1">
-                <a:ln>
-                  <a:noFill/>
-                </a:ln>
-                <a:solidFill>
-                  <a:srgbClr val="4C4C4C"/>
-                </a:solidFill>
-                <a:effectLst/>
-                <a:uFillTx/>
-                <a:latin typeface="Source Sans Pro Bold"/>
-                <a:ea typeface="Source Sans Pro Bold"/>
-                <a:cs typeface="Source Sans Pro Bold"/>
-                <a:sym typeface="Source Sans Pro Bold"/>
-              </a:rPr>
-              <a:t>iqrFactor</a:t>
-            </a:r>
-            <a:r>
-              <a:rPr kumimoji="0" lang="nb-NO" sz="900" b="0" i="0" u="none" strike="noStrike" cap="none" spc="0" normalizeH="0" baseline="0" dirty="0">
-                <a:ln>
-                  <a:noFill/>
-                </a:ln>
-                <a:solidFill>
-                  <a:srgbClr val="4C4C4C"/>
-                </a:solidFill>
-                <a:effectLst/>
-                <a:uFillTx/>
-                <a:latin typeface="Source Sans Pro Bold"/>
-                <a:ea typeface="Source Sans Pro Bold"/>
-                <a:cs typeface="Source Sans Pro Bold"/>
-                <a:sym typeface="Source Sans Pro Bold"/>
-              </a:rPr>
-              <a:t> = 4,</a:t>
-            </a:r>
-            <a:br>
-              <a:rPr kumimoji="0" lang="nb-NO" sz="900" b="0" i="0" u="none" strike="noStrike" cap="none" spc="0" normalizeH="0" baseline="0" dirty="0">
-                <a:ln>
-                  <a:noFill/>
-                </a:ln>
-                <a:solidFill>
-                  <a:srgbClr val="4C4C4C"/>
-                </a:solidFill>
-                <a:effectLst/>
-                <a:uFillTx/>
-                <a:latin typeface="Source Sans Pro Bold"/>
-                <a:ea typeface="Source Sans Pro Bold"/>
-                <a:cs typeface="Source Sans Pro Bold"/>
-                <a:sym typeface="Source Sans Pro Bold"/>
-              </a:rPr>
-            </a:br>
-            <a:br>
-              <a:rPr kumimoji="0" lang="nb-NO" sz="900" b="0" i="0" u="none" strike="noStrike" cap="none" spc="0" normalizeH="0" baseline="0" dirty="0">
-                <a:ln>
-                  <a:noFill/>
-                </a:ln>
-                <a:solidFill>
-                  <a:srgbClr val="4C4C4C"/>
-                </a:solidFill>
-                <a:effectLst/>
-                <a:uFillTx/>
-                <a:latin typeface="Source Sans Pro Bold"/>
-                <a:ea typeface="Source Sans Pro Bold"/>
-                <a:cs typeface="Source Sans Pro Bold"/>
-                <a:sym typeface="Source Sans Pro Bold"/>
-              </a:rPr>
-            </a:br>
-            <a:endParaRPr lang="nb-NO" sz="1000" dirty="0"/>
+            <a:endParaRPr/>
           </a:p>
         </p:txBody>
       </p:sp>
@@ -10367,7 +7784,7 @@
           </a:ln>
           <a:extLst>
             <a:ext uri="{C572A759-6A51-4108-AA02-DFA0A04FC94B}">
-              <ma14:wrappingTextBoxFlag xmlns:ma14="http://schemas.microsoft.com/office/mac/drawingml/2011/main" xmlns:a14="http://schemas.microsoft.com/office/drawing/2010/main" xmlns:m="http://schemas.openxmlformats.org/officeDocument/2006/math" xmlns="" val="1"/>
+              <ma14:wrappingTextBoxFlag xmlns="" xmlns:m="http://schemas.openxmlformats.org/officeDocument/2006/math" xmlns:a14="http://schemas.microsoft.com/office/drawing/2010/main" xmlns:ma14="http://schemas.microsoft.com/office/mac/drawingml/2011/main" val="1"/>
             </a:ext>
           </a:extLst>
         </p:spPr>
@@ -10455,7 +7872,7 @@
           </a:ln>
           <a:extLst>
             <a:ext uri="{C572A759-6A51-4108-AA02-DFA0A04FC94B}">
-              <ma14:wrappingTextBoxFlag xmlns:ma14="http://schemas.microsoft.com/office/mac/drawingml/2011/main" xmlns:a14="http://schemas.microsoft.com/office/drawing/2010/main" xmlns:m="http://schemas.openxmlformats.org/officeDocument/2006/math" xmlns="" val="1"/>
+              <ma14:wrappingTextBoxFlag xmlns="" xmlns:m="http://schemas.openxmlformats.org/officeDocument/2006/math" xmlns:a14="http://schemas.microsoft.com/office/drawing/2010/main" xmlns:ma14="http://schemas.microsoft.com/office/mac/drawingml/2011/main" val="1"/>
             </a:ext>
           </a:extLst>
         </p:spPr>
@@ -10509,7 +7926,7 @@
           </a:ln>
           <a:extLst>
             <a:ext uri="{C572A759-6A51-4108-AA02-DFA0A04FC94B}">
-              <ma14:wrappingTextBoxFlag xmlns:ma14="http://schemas.microsoft.com/office/mac/drawingml/2011/main" xmlns:a14="http://schemas.microsoft.com/office/drawing/2010/main" xmlns:m="http://schemas.openxmlformats.org/officeDocument/2006/math" xmlns="" val="1"/>
+              <ma14:wrappingTextBoxFlag xmlns="" xmlns:m="http://schemas.openxmlformats.org/officeDocument/2006/math" xmlns:a14="http://schemas.microsoft.com/office/drawing/2010/main" xmlns:ma14="http://schemas.microsoft.com/office/mac/drawingml/2011/main" val="1"/>
             </a:ext>
           </a:extLst>
         </p:spPr>
@@ -10609,8 +8026,8 @@
         </p:nvSpPr>
         <p:spPr>
           <a:xfrm>
-            <a:off x="238823" y="3714965"/>
-            <a:ext cx="3717058" cy="2213346"/>
+            <a:off x="238823" y="3727789"/>
+            <a:ext cx="3717058" cy="2187698"/>
           </a:xfrm>
           <a:prstGeom prst="rect">
             <a:avLst/>
@@ -10754,30 +8171,30 @@
               <a:tabLst/>
             </a:pPr>
             <a:r>
-              <a:rPr lang="nb-NO" sz="1000" b="1" dirty="0"/>
+              <a:rPr lang="nb-NO" sz="1000" dirty="0"/>
               <a:t># </a:t>
             </a:r>
             <a:r>
-              <a:rPr lang="nb-NO" sz="1000" b="1" dirty="0" err="1"/>
+              <a:rPr lang="nb-NO" sz="1000" dirty="0" err="1"/>
               <a:t>Calculate</a:t>
             </a:r>
             <a:r>
-              <a:rPr lang="nb-NO" sz="1000" b="1" dirty="0"/>
+              <a:rPr lang="nb-NO" sz="1000" dirty="0"/>
               <a:t> CV and </a:t>
             </a:r>
             <a:r>
-              <a:rPr lang="nb-NO" sz="1000" b="1" dirty="0" err="1"/>
+              <a:rPr lang="nb-NO" sz="1000" dirty="0" err="1"/>
               <a:t>Weber’s</a:t>
             </a:r>
             <a:r>
-              <a:rPr lang="nb-NO" sz="1000" b="1" dirty="0"/>
+              <a:rPr lang="nb-NO" sz="1000" dirty="0"/>
               <a:t> </a:t>
             </a:r>
             <a:r>
-              <a:rPr lang="nb-NO" sz="1000" b="1" dirty="0" err="1"/>
+              <a:rPr lang="nb-NO" sz="1000" dirty="0" err="1"/>
               <a:t>fraction</a:t>
             </a:r>
-            <a:endParaRPr lang="nb-NO" sz="1000" b="1" dirty="0"/>
+            <a:endParaRPr lang="nb-NO" sz="1000" dirty="0"/>
           </a:p>
           <a:p>
             <a:pPr marL="0" marR="0" indent="0" algn="l" defTabSz="584200" rtl="0" fontAlgn="auto" latinLnBrk="0" hangingPunct="0">
@@ -10830,6 +8247,29 @@
               <a:rPr lang="nb-NO" sz="1000" dirty="0"/>
               <a:t>		dat1,</a:t>
             </a:r>
+            <a:br>
+              <a:rPr lang="nb-NO" sz="1000" dirty="0"/>
+            </a:br>
+            <a:r>
+              <a:rPr lang="nb-NO" sz="1000" dirty="0"/>
+              <a:t>		</a:t>
+            </a:r>
+            <a:r>
+              <a:rPr lang="nb-NO" sz="1000" dirty="0" err="1"/>
+              <a:t>numerosity</a:t>
+            </a:r>
+            <a:r>
+              <a:rPr lang="nb-NO" sz="1000" dirty="0"/>
+              <a:t> = »</a:t>
+            </a:r>
+            <a:r>
+              <a:rPr lang="nb-NO" sz="1000" dirty="0" err="1"/>
+              <a:t>numerosity</a:t>
+            </a:r>
+            <a:r>
+              <a:rPr lang="nb-NO" sz="1000" dirty="0"/>
+              <a:t>",</a:t>
+            </a:r>
           </a:p>
           <a:p>
             <a:pPr marL="0" marR="0" indent="0" algn="l" defTabSz="584200" rtl="0" fontAlgn="auto" latinLnBrk="0" hangingPunct="0">
@@ -10850,45 +8290,7 @@
             </a:pPr>
             <a:r>
               <a:rPr lang="nb-NO" sz="1000" dirty="0"/>
-              <a:t>                            	</a:t>
-            </a:r>
-            <a:r>
-              <a:rPr lang="nb-NO" sz="1000" dirty="0" err="1"/>
-              <a:t>numerosity</a:t>
-            </a:r>
-            <a:r>
-              <a:rPr lang="nb-NO" sz="1000" dirty="0"/>
-              <a:t> = »</a:t>
-            </a:r>
-            <a:r>
-              <a:rPr lang="nb-NO" sz="1000" dirty="0" err="1"/>
-              <a:t>numerosity</a:t>
-            </a:r>
-            <a:r>
-              <a:rPr lang="nb-NO" sz="1000" dirty="0"/>
-              <a:t>",</a:t>
-            </a:r>
-          </a:p>
-          <a:p>
-            <a:pPr marL="0" marR="0" indent="0" algn="l" defTabSz="584200" rtl="0" fontAlgn="auto" latinLnBrk="0" hangingPunct="0">
-              <a:lnSpc>
-                <a:spcPct val="100000"/>
-              </a:lnSpc>
-              <a:spcBef>
-                <a:spcPts val="200"/>
-              </a:spcBef>
-              <a:spcAft>
-                <a:spcPts val="0"/>
-              </a:spcAft>
-              <a:buClrTx/>
-              <a:buSzTx/>
-              <a:buFontTx/>
-              <a:buNone/>
-              <a:tabLst/>
-            </a:pPr>
-            <a:r>
-              <a:rPr lang="nb-NO" sz="1000" dirty="0"/>
-              <a:t>                            	</a:t>
+              <a:t>                           	</a:t>
             </a:r>
             <a:r>
               <a:rPr lang="nb-NO" sz="1000" dirty="0" err="1"/>
